--- a/Thesis Defense.pptx
+++ b/Thesis Defense.pptx
@@ -17,16 +17,16 @@
     <p:sldId id="264" r:id="rId8"/>
     <p:sldId id="265" r:id="rId9"/>
     <p:sldId id="266" r:id="rId10"/>
-    <p:sldId id="268" r:id="rId11"/>
-    <p:sldId id="273" r:id="rId12"/>
-    <p:sldId id="274" r:id="rId13"/>
-    <p:sldId id="275" r:id="rId14"/>
-    <p:sldId id="270" r:id="rId15"/>
-    <p:sldId id="276" r:id="rId16"/>
-    <p:sldId id="277" r:id="rId17"/>
-    <p:sldId id="278" r:id="rId18"/>
-    <p:sldId id="271" r:id="rId19"/>
-    <p:sldId id="272" r:id="rId20"/>
+    <p:sldId id="270" r:id="rId11"/>
+    <p:sldId id="276" r:id="rId12"/>
+    <p:sldId id="277" r:id="rId13"/>
+    <p:sldId id="278" r:id="rId14"/>
+    <p:sldId id="268" r:id="rId15"/>
+    <p:sldId id="273" r:id="rId16"/>
+    <p:sldId id="274" r:id="rId17"/>
+    <p:sldId id="275" r:id="rId18"/>
+    <p:sldId id="272" r:id="rId19"/>
+    <p:sldId id="271" r:id="rId20"/>
     <p:sldId id="279" r:id="rId21"/>
     <p:sldId id="280" r:id="rId22"/>
     <p:sldId id="281" r:id="rId23"/>
@@ -7456,7 +7456,7 @@
   <dgm:whole/>
   <dgm:extLst>
     <a:ext uri="http://schemas.microsoft.com/office/drawing/2008/diagram">
-      <dsp:dataModelExt xmlns:dsp="http://schemas.microsoft.com/office/drawing/2008/diagram" relId="rId6" minVer="http://schemas.openxmlformats.org/drawingml/2006/diagram"/>
+      <dsp:dataModelExt xmlns:dsp="http://schemas.microsoft.com/office/drawing/2008/diagram" relId="rId7" minVer="http://schemas.openxmlformats.org/drawingml/2006/diagram"/>
     </a:ext>
   </dgm:extLst>
 </dgm:dataModel>
@@ -7702,7 +7702,7 @@
   <dgm:whole/>
   <dgm:extLst>
     <a:ext uri="http://schemas.microsoft.com/office/drawing/2008/diagram">
-      <dsp:dataModelExt xmlns:dsp="http://schemas.microsoft.com/office/drawing/2008/diagram" relId="rId6" minVer="http://schemas.openxmlformats.org/drawingml/2006/diagram"/>
+      <dsp:dataModelExt xmlns:dsp="http://schemas.microsoft.com/office/drawing/2008/diagram" relId="rId7" minVer="http://schemas.openxmlformats.org/drawingml/2006/diagram"/>
     </a:ext>
   </dgm:extLst>
 </dgm:dataModel>
@@ -20375,7 +20375,7 @@
           <a:p>
             <a:fld id="{6B389212-567B-4BEF-A012-F8DBD13AF3F1}" type="datetimeFigureOut">
               <a:rPr lang="en-CA" smtClean="0"/>
-              <a:t>2022-03-19</a:t>
+              <a:t>2022-03-21</a:t>
             </a:fld>
             <a:endParaRPr lang="en-CA"/>
           </a:p>
@@ -20689,8 +20689,194 @@
           <a:p>
             <a:r>
               <a:rPr lang="en-US" dirty="0"/>
-              <a:t>TODO: Add Task setup info</a:t>
+              <a:t>Three approaches to tasks in ML (supervised, unsupervised and Reinforced Learning)</a:t>
             </a:r>
+          </a:p>
+          <a:p>
+            <a:r>
+              <a:rPr lang="en-US"/>
+              <a:t>reinforcement learning, represents a decision making problem in which the learning agent has to maximize the cumulative rewards over a (possibly infinite) sequence of state inputs</a:t>
+            </a:r>
+            <a:endParaRPr lang="en-US" dirty="0"/>
+          </a:p>
+          <a:p>
+            <a:r>
+              <a:rPr lang="en-US" dirty="0"/>
+              <a:t>RL two types (complete and partial – needs to build internal mental model)</a:t>
+            </a:r>
+          </a:p>
+        </p:txBody>
+      </p:sp>
+      <p:sp>
+        <p:nvSpPr>
+          <p:cNvPr id="4" name="Slide Number Placeholder 3"/>
+          <p:cNvSpPr>
+            <a:spLocks noGrp="1"/>
+          </p:cNvSpPr>
+          <p:nvPr>
+            <p:ph type="sldNum" sz="quarter" idx="5"/>
+          </p:nvPr>
+        </p:nvSpPr>
+        <p:spPr/>
+        <p:txBody>
+          <a:bodyPr/>
+          <a:lstStyle/>
+          <a:p>
+            <a:fld id="{22F0B2BB-41D7-4AE0-9421-4EBB4D8FFD84}" type="slidenum">
+              <a:rPr lang="en-CA" smtClean="0"/>
+              <a:t>5</a:t>
+            </a:fld>
+            <a:endParaRPr lang="en-CA"/>
+          </a:p>
+        </p:txBody>
+      </p:sp>
+    </p:spTree>
+    <p:extLst>
+      <p:ext uri="{BB962C8B-B14F-4D97-AF65-F5344CB8AC3E}">
+        <p14:creationId xmlns:p14="http://schemas.microsoft.com/office/powerpoint/2010/main" val="1590817017"/>
+      </p:ext>
+    </p:extLst>
+  </p:cSld>
+  <p:clrMapOvr>
+    <a:masterClrMapping/>
+  </p:clrMapOvr>
+</p:notes>
+</file>
+
+<file path=ppt/notesSlides/notesSlide2.xml><?xml version="1.0" encoding="utf-8"?>
+<p:notes xmlns:a="http://schemas.openxmlformats.org/drawingml/2006/main" xmlns:r="http://schemas.openxmlformats.org/officeDocument/2006/relationships" xmlns:p="http://schemas.openxmlformats.org/presentationml/2006/main">
+  <p:cSld>
+    <p:spTree>
+      <p:nvGrpSpPr>
+        <p:cNvPr id="1" name=""/>
+        <p:cNvGrpSpPr/>
+        <p:nvPr/>
+      </p:nvGrpSpPr>
+      <p:grpSpPr>
+        <a:xfrm>
+          <a:off x="0" y="0"/>
+          <a:ext cx="0" cy="0"/>
+          <a:chOff x="0" y="0"/>
+          <a:chExt cx="0" cy="0"/>
+        </a:xfrm>
+      </p:grpSpPr>
+      <p:sp>
+        <p:nvSpPr>
+          <p:cNvPr id="2" name="Slide Image Placeholder 1"/>
+          <p:cNvSpPr>
+            <a:spLocks noGrp="1" noRot="1" noChangeAspect="1"/>
+          </p:cNvSpPr>
+          <p:nvPr>
+            <p:ph type="sldImg"/>
+          </p:nvPr>
+        </p:nvSpPr>
+        <p:spPr/>
+      </p:sp>
+      <p:sp>
+        <p:nvSpPr>
+          <p:cNvPr id="3" name="Notes Placeholder 2"/>
+          <p:cNvSpPr>
+            <a:spLocks noGrp="1"/>
+          </p:cNvSpPr>
+          <p:nvPr>
+            <p:ph type="body" idx="1"/>
+          </p:nvPr>
+        </p:nvSpPr>
+        <p:spPr/>
+        <p:txBody>
+          <a:bodyPr/>
+          <a:lstStyle/>
+          <a:p>
+            <a:r>
+              <a:rPr lang="en-US" dirty="0"/>
+              <a:t>Canonical GP is reactive to overcome that and work with partially observed tasks we need memory.</a:t>
+            </a:r>
+          </a:p>
+          <a:p>
+            <a:endParaRPr lang="en-US" dirty="0"/>
+          </a:p>
+        </p:txBody>
+      </p:sp>
+      <p:sp>
+        <p:nvSpPr>
+          <p:cNvPr id="4" name="Slide Number Placeholder 3"/>
+          <p:cNvSpPr>
+            <a:spLocks noGrp="1"/>
+          </p:cNvSpPr>
+          <p:nvPr>
+            <p:ph type="sldNum" sz="quarter" idx="5"/>
+          </p:nvPr>
+        </p:nvSpPr>
+        <p:spPr/>
+        <p:txBody>
+          <a:bodyPr/>
+          <a:lstStyle/>
+          <a:p>
+            <a:fld id="{22F0B2BB-41D7-4AE0-9421-4EBB4D8FFD84}" type="slidenum">
+              <a:rPr lang="en-CA" smtClean="0"/>
+              <a:t>6</a:t>
+            </a:fld>
+            <a:endParaRPr lang="en-CA"/>
+          </a:p>
+        </p:txBody>
+      </p:sp>
+    </p:spTree>
+    <p:extLst>
+      <p:ext uri="{BB962C8B-B14F-4D97-AF65-F5344CB8AC3E}">
+        <p14:creationId xmlns:p14="http://schemas.microsoft.com/office/powerpoint/2010/main" val="1589353499"/>
+      </p:ext>
+    </p:extLst>
+  </p:cSld>
+  <p:clrMapOvr>
+    <a:masterClrMapping/>
+  </p:clrMapOvr>
+</p:notes>
+</file>
+
+<file path=ppt/notesSlides/notesSlide3.xml><?xml version="1.0" encoding="utf-8"?>
+<p:notes xmlns:a="http://schemas.openxmlformats.org/drawingml/2006/main" xmlns:r="http://schemas.openxmlformats.org/officeDocument/2006/relationships" xmlns:p="http://schemas.openxmlformats.org/presentationml/2006/main">
+  <p:cSld>
+    <p:spTree>
+      <p:nvGrpSpPr>
+        <p:cNvPr id="1" name=""/>
+        <p:cNvGrpSpPr/>
+        <p:nvPr/>
+      </p:nvGrpSpPr>
+      <p:grpSpPr>
+        <a:xfrm>
+          <a:off x="0" y="0"/>
+          <a:ext cx="0" cy="0"/>
+          <a:chOff x="0" y="0"/>
+          <a:chExt cx="0" cy="0"/>
+        </a:xfrm>
+      </p:grpSpPr>
+      <p:sp>
+        <p:nvSpPr>
+          <p:cNvPr id="2" name="Slide Image Placeholder 1"/>
+          <p:cNvSpPr>
+            <a:spLocks noGrp="1" noRot="1" noChangeAspect="1"/>
+          </p:cNvSpPr>
+          <p:nvPr>
+            <p:ph type="sldImg"/>
+          </p:nvPr>
+        </p:nvSpPr>
+        <p:spPr/>
+      </p:sp>
+      <p:sp>
+        <p:nvSpPr>
+          <p:cNvPr id="3" name="Notes Placeholder 2"/>
+          <p:cNvSpPr>
+            <a:spLocks noGrp="1"/>
+          </p:cNvSpPr>
+          <p:nvPr>
+            <p:ph type="body" idx="1"/>
+          </p:nvPr>
+        </p:nvSpPr>
+        <p:spPr/>
+        <p:txBody>
+          <a:bodyPr/>
+          <a:lstStyle/>
+          <a:p>
             <a:endParaRPr lang="en-CA" dirty="0"/>
           </a:p>
         </p:txBody>
@@ -20721,6 +20907,178 @@
     </p:spTree>
     <p:extLst>
       <p:ext uri="{BB962C8B-B14F-4D97-AF65-F5344CB8AC3E}">
+        <p14:creationId xmlns:p14="http://schemas.microsoft.com/office/powerpoint/2010/main" val="992083992"/>
+      </p:ext>
+    </p:extLst>
+  </p:cSld>
+  <p:clrMapOvr>
+    <a:masterClrMapping/>
+  </p:clrMapOvr>
+</p:notes>
+</file>
+
+<file path=ppt/notesSlides/notesSlide4.xml><?xml version="1.0" encoding="utf-8"?>
+<p:notes xmlns:a="http://schemas.openxmlformats.org/drawingml/2006/main" xmlns:r="http://schemas.openxmlformats.org/officeDocument/2006/relationships" xmlns:p="http://schemas.openxmlformats.org/presentationml/2006/main">
+  <p:cSld>
+    <p:spTree>
+      <p:nvGrpSpPr>
+        <p:cNvPr id="1" name=""/>
+        <p:cNvGrpSpPr/>
+        <p:nvPr/>
+      </p:nvGrpSpPr>
+      <p:grpSpPr>
+        <a:xfrm>
+          <a:off x="0" y="0"/>
+          <a:ext cx="0" cy="0"/>
+          <a:chOff x="0" y="0"/>
+          <a:chExt cx="0" cy="0"/>
+        </a:xfrm>
+      </p:grpSpPr>
+      <p:sp>
+        <p:nvSpPr>
+          <p:cNvPr id="2" name="Slide Image Placeholder 1"/>
+          <p:cNvSpPr>
+            <a:spLocks noGrp="1" noRot="1" noChangeAspect="1"/>
+          </p:cNvSpPr>
+          <p:nvPr>
+            <p:ph type="sldImg"/>
+          </p:nvPr>
+        </p:nvSpPr>
+        <p:spPr/>
+      </p:sp>
+      <p:sp>
+        <p:nvSpPr>
+          <p:cNvPr id="3" name="Notes Placeholder 2"/>
+          <p:cNvSpPr>
+            <a:spLocks noGrp="1"/>
+          </p:cNvSpPr>
+          <p:nvPr>
+            <p:ph type="body" idx="1"/>
+          </p:nvPr>
+        </p:nvSpPr>
+        <p:spPr/>
+        <p:txBody>
+          <a:bodyPr/>
+          <a:lstStyle/>
+          <a:p>
+            <a:r>
+              <a:rPr lang="en-US" dirty="0"/>
+              <a:t>TODO: Add how task setup is different</a:t>
+            </a:r>
+            <a:endParaRPr lang="en-CA" dirty="0"/>
+          </a:p>
+        </p:txBody>
+      </p:sp>
+      <p:sp>
+        <p:nvSpPr>
+          <p:cNvPr id="4" name="Slide Number Placeholder 3"/>
+          <p:cNvSpPr>
+            <a:spLocks noGrp="1"/>
+          </p:cNvSpPr>
+          <p:nvPr>
+            <p:ph type="sldNum" sz="quarter" idx="5"/>
+          </p:nvPr>
+        </p:nvSpPr>
+        <p:spPr/>
+        <p:txBody>
+          <a:bodyPr/>
+          <a:lstStyle/>
+          <a:p>
+            <a:fld id="{22F0B2BB-41D7-4AE0-9421-4EBB4D8FFD84}" type="slidenum">
+              <a:rPr lang="en-CA" smtClean="0"/>
+              <a:t>13</a:t>
+            </a:fld>
+            <a:endParaRPr lang="en-CA"/>
+          </a:p>
+        </p:txBody>
+      </p:sp>
+    </p:spTree>
+    <p:extLst>
+      <p:ext uri="{BB962C8B-B14F-4D97-AF65-F5344CB8AC3E}">
+        <p14:creationId xmlns:p14="http://schemas.microsoft.com/office/powerpoint/2010/main" val="2437812916"/>
+      </p:ext>
+    </p:extLst>
+  </p:cSld>
+  <p:clrMapOvr>
+    <a:masterClrMapping/>
+  </p:clrMapOvr>
+</p:notes>
+</file>
+
+<file path=ppt/notesSlides/notesSlide5.xml><?xml version="1.0" encoding="utf-8"?>
+<p:notes xmlns:a="http://schemas.openxmlformats.org/drawingml/2006/main" xmlns:r="http://schemas.openxmlformats.org/officeDocument/2006/relationships" xmlns:p="http://schemas.openxmlformats.org/presentationml/2006/main">
+  <p:cSld>
+    <p:spTree>
+      <p:nvGrpSpPr>
+        <p:cNvPr id="1" name=""/>
+        <p:cNvGrpSpPr/>
+        <p:nvPr/>
+      </p:nvGrpSpPr>
+      <p:grpSpPr>
+        <a:xfrm>
+          <a:off x="0" y="0"/>
+          <a:ext cx="0" cy="0"/>
+          <a:chOff x="0" y="0"/>
+          <a:chExt cx="0" cy="0"/>
+        </a:xfrm>
+      </p:grpSpPr>
+      <p:sp>
+        <p:nvSpPr>
+          <p:cNvPr id="2" name="Slide Image Placeholder 1"/>
+          <p:cNvSpPr>
+            <a:spLocks noGrp="1" noRot="1" noChangeAspect="1"/>
+          </p:cNvSpPr>
+          <p:nvPr>
+            <p:ph type="sldImg"/>
+          </p:nvPr>
+        </p:nvSpPr>
+        <p:spPr/>
+      </p:sp>
+      <p:sp>
+        <p:nvSpPr>
+          <p:cNvPr id="3" name="Notes Placeholder 2"/>
+          <p:cNvSpPr>
+            <a:spLocks noGrp="1"/>
+          </p:cNvSpPr>
+          <p:nvPr>
+            <p:ph type="body" idx="1"/>
+          </p:nvPr>
+        </p:nvSpPr>
+        <p:spPr/>
+        <p:txBody>
+          <a:bodyPr/>
+          <a:lstStyle/>
+          <a:p>
+            <a:endParaRPr lang="en-CA" dirty="0"/>
+          </a:p>
+        </p:txBody>
+      </p:sp>
+      <p:sp>
+        <p:nvSpPr>
+          <p:cNvPr id="4" name="Slide Number Placeholder 3"/>
+          <p:cNvSpPr>
+            <a:spLocks noGrp="1"/>
+          </p:cNvSpPr>
+          <p:nvPr>
+            <p:ph type="sldNum" sz="quarter" idx="5"/>
+          </p:nvPr>
+        </p:nvSpPr>
+        <p:spPr/>
+        <p:txBody>
+          <a:bodyPr/>
+          <a:lstStyle/>
+          <a:p>
+            <a:fld id="{22F0B2BB-41D7-4AE0-9421-4EBB4D8FFD84}" type="slidenum">
+              <a:rPr lang="en-CA" smtClean="0"/>
+              <a:t>14</a:t>
+            </a:fld>
+            <a:endParaRPr lang="en-CA"/>
+          </a:p>
+        </p:txBody>
+      </p:sp>
+    </p:spTree>
+    <p:extLst>
+      <p:ext uri="{BB962C8B-B14F-4D97-AF65-F5344CB8AC3E}">
         <p14:creationId xmlns:p14="http://schemas.microsoft.com/office/powerpoint/2010/main" val="2564738590"/>
       </p:ext>
     </p:extLst>
@@ -20731,7 +21089,7 @@
 </p:notes>
 </file>
 
-<file path=ppt/notesSlides/notesSlide2.xml><?xml version="1.0" encoding="utf-8"?>
+<file path=ppt/notesSlides/notesSlide6.xml><?xml version="1.0" encoding="utf-8"?>
 <p:notes xmlns:a="http://schemas.openxmlformats.org/drawingml/2006/main" xmlns:r="http://schemas.openxmlformats.org/officeDocument/2006/relationships" xmlns:p="http://schemas.openxmlformats.org/presentationml/2006/main">
   <p:cSld>
     <p:spTree>
@@ -20800,7 +21158,7 @@
           <a:p>
             <a:fld id="{22F0B2BB-41D7-4AE0-9421-4EBB4D8FFD84}" type="slidenum">
               <a:rPr lang="en-CA" smtClean="0"/>
-              <a:t>12</a:t>
+              <a:t>16</a:t>
             </a:fld>
             <a:endParaRPr lang="en-CA"/>
           </a:p>
@@ -20819,7 +21177,7 @@
 </p:notes>
 </file>
 
-<file path=ppt/notesSlides/notesSlide3.xml><?xml version="1.0" encoding="utf-8"?>
+<file path=ppt/notesSlides/notesSlide7.xml><?xml version="1.0" encoding="utf-8"?>
 <p:notes xmlns:a="http://schemas.openxmlformats.org/drawingml/2006/main" xmlns:r="http://schemas.openxmlformats.org/officeDocument/2006/relationships" xmlns:p="http://schemas.openxmlformats.org/presentationml/2006/main">
   <p:cSld>
     <p:spTree>
@@ -20888,7 +21246,7 @@
           <a:p>
             <a:fld id="{22F0B2BB-41D7-4AE0-9421-4EBB4D8FFD84}" type="slidenum">
               <a:rPr lang="en-CA" smtClean="0"/>
-              <a:t>13</a:t>
+              <a:t>17</a:t>
             </a:fld>
             <a:endParaRPr lang="en-CA"/>
           </a:p>
@@ -20907,7 +21265,7 @@
 </p:notes>
 </file>
 
-<file path=ppt/notesSlides/notesSlide4.xml><?xml version="1.0" encoding="utf-8"?>
+<file path=ppt/notesSlides/notesSlide8.xml><?xml version="1.0" encoding="utf-8"?>
 <p:notes xmlns:a="http://schemas.openxmlformats.org/drawingml/2006/main" xmlns:r="http://schemas.openxmlformats.org/officeDocument/2006/relationships" xmlns:p="http://schemas.openxmlformats.org/presentationml/2006/main">
   <p:cSld>
     <p:spTree>
@@ -20951,10 +21309,6 @@
           <a:bodyPr/>
           <a:lstStyle/>
           <a:p>
-            <a:r>
-              <a:rPr lang="en-US" dirty="0"/>
-              <a:t>TODO: Add task setup info</a:t>
-            </a:r>
             <a:endParaRPr lang="en-CA" dirty="0"/>
           </a:p>
         </p:txBody>
@@ -20976,183 +21330,7 @@
           <a:p>
             <a:fld id="{22F0B2BB-41D7-4AE0-9421-4EBB4D8FFD84}" type="slidenum">
               <a:rPr lang="en-CA" smtClean="0"/>
-              <a:t>14</a:t>
-            </a:fld>
-            <a:endParaRPr lang="en-CA"/>
-          </a:p>
-        </p:txBody>
-      </p:sp>
-    </p:spTree>
-    <p:extLst>
-      <p:ext uri="{BB962C8B-B14F-4D97-AF65-F5344CB8AC3E}">
-        <p14:creationId xmlns:p14="http://schemas.microsoft.com/office/powerpoint/2010/main" val="992083992"/>
-      </p:ext>
-    </p:extLst>
-  </p:cSld>
-  <p:clrMapOvr>
-    <a:masterClrMapping/>
-  </p:clrMapOvr>
-</p:notes>
-</file>
-
-<file path=ppt/notesSlides/notesSlide5.xml><?xml version="1.0" encoding="utf-8"?>
-<p:notes xmlns:a="http://schemas.openxmlformats.org/drawingml/2006/main" xmlns:r="http://schemas.openxmlformats.org/officeDocument/2006/relationships" xmlns:p="http://schemas.openxmlformats.org/presentationml/2006/main">
-  <p:cSld>
-    <p:spTree>
-      <p:nvGrpSpPr>
-        <p:cNvPr id="1" name=""/>
-        <p:cNvGrpSpPr/>
-        <p:nvPr/>
-      </p:nvGrpSpPr>
-      <p:grpSpPr>
-        <a:xfrm>
-          <a:off x="0" y="0"/>
-          <a:ext cx="0" cy="0"/>
-          <a:chOff x="0" y="0"/>
-          <a:chExt cx="0" cy="0"/>
-        </a:xfrm>
-      </p:grpSpPr>
-      <p:sp>
-        <p:nvSpPr>
-          <p:cNvPr id="2" name="Slide Image Placeholder 1"/>
-          <p:cNvSpPr>
-            <a:spLocks noGrp="1" noRot="1" noChangeAspect="1"/>
-          </p:cNvSpPr>
-          <p:nvPr>
-            <p:ph type="sldImg"/>
-          </p:nvPr>
-        </p:nvSpPr>
-        <p:spPr/>
-      </p:sp>
-      <p:sp>
-        <p:nvSpPr>
-          <p:cNvPr id="3" name="Notes Placeholder 2"/>
-          <p:cNvSpPr>
-            <a:spLocks noGrp="1"/>
-          </p:cNvSpPr>
-          <p:nvPr>
-            <p:ph type="body" idx="1"/>
-          </p:nvPr>
-        </p:nvSpPr>
-        <p:spPr/>
-        <p:txBody>
-          <a:bodyPr/>
-          <a:lstStyle/>
-          <a:p>
-            <a:r>
-              <a:rPr lang="en-US" dirty="0"/>
-              <a:t>TODO: Add how task setup is different</a:t>
-            </a:r>
-            <a:endParaRPr lang="en-CA" dirty="0"/>
-          </a:p>
-        </p:txBody>
-      </p:sp>
-      <p:sp>
-        <p:nvSpPr>
-          <p:cNvPr id="4" name="Slide Number Placeholder 3"/>
-          <p:cNvSpPr>
-            <a:spLocks noGrp="1"/>
-          </p:cNvSpPr>
-          <p:nvPr>
-            <p:ph type="sldNum" sz="quarter" idx="5"/>
-          </p:nvPr>
-        </p:nvSpPr>
-        <p:spPr/>
-        <p:txBody>
-          <a:bodyPr/>
-          <a:lstStyle/>
-          <a:p>
-            <a:fld id="{22F0B2BB-41D7-4AE0-9421-4EBB4D8FFD84}" type="slidenum">
-              <a:rPr lang="en-CA" smtClean="0"/>
-              <a:t>17</a:t>
-            </a:fld>
-            <a:endParaRPr lang="en-CA"/>
-          </a:p>
-        </p:txBody>
-      </p:sp>
-    </p:spTree>
-    <p:extLst>
-      <p:ext uri="{BB962C8B-B14F-4D97-AF65-F5344CB8AC3E}">
-        <p14:creationId xmlns:p14="http://schemas.microsoft.com/office/powerpoint/2010/main" val="2437812916"/>
-      </p:ext>
-    </p:extLst>
-  </p:cSld>
-  <p:clrMapOvr>
-    <a:masterClrMapping/>
-  </p:clrMapOvr>
-</p:notes>
-</file>
-
-<file path=ppt/notesSlides/notesSlide6.xml><?xml version="1.0" encoding="utf-8"?>
-<p:notes xmlns:a="http://schemas.openxmlformats.org/drawingml/2006/main" xmlns:r="http://schemas.openxmlformats.org/officeDocument/2006/relationships" xmlns:p="http://schemas.openxmlformats.org/presentationml/2006/main">
-  <p:cSld>
-    <p:spTree>
-      <p:nvGrpSpPr>
-        <p:cNvPr id="1" name=""/>
-        <p:cNvGrpSpPr/>
-        <p:nvPr/>
-      </p:nvGrpSpPr>
-      <p:grpSpPr>
-        <a:xfrm>
-          <a:off x="0" y="0"/>
-          <a:ext cx="0" cy="0"/>
-          <a:chOff x="0" y="0"/>
-          <a:chExt cx="0" cy="0"/>
-        </a:xfrm>
-      </p:grpSpPr>
-      <p:sp>
-        <p:nvSpPr>
-          <p:cNvPr id="2" name="Slide Image Placeholder 1"/>
-          <p:cNvSpPr>
-            <a:spLocks noGrp="1" noRot="1" noChangeAspect="1"/>
-          </p:cNvSpPr>
-          <p:nvPr>
-            <p:ph type="sldImg"/>
-          </p:nvPr>
-        </p:nvSpPr>
-        <p:spPr/>
-      </p:sp>
-      <p:sp>
-        <p:nvSpPr>
-          <p:cNvPr id="3" name="Notes Placeholder 2"/>
-          <p:cNvSpPr>
-            <a:spLocks noGrp="1"/>
-          </p:cNvSpPr>
-          <p:nvPr>
-            <p:ph type="body" idx="1"/>
-          </p:nvPr>
-        </p:nvSpPr>
-        <p:spPr/>
-        <p:txBody>
-          <a:bodyPr/>
-          <a:lstStyle/>
-          <a:p>
-            <a:r>
-              <a:rPr lang="en-US" dirty="0"/>
-              <a:t>TODO: Add task setup info</a:t>
-            </a:r>
-            <a:endParaRPr lang="en-CA" dirty="0"/>
-          </a:p>
-        </p:txBody>
-      </p:sp>
-      <p:sp>
-        <p:nvSpPr>
-          <p:cNvPr id="4" name="Slide Number Placeholder 3"/>
-          <p:cNvSpPr>
-            <a:spLocks noGrp="1"/>
-          </p:cNvSpPr>
-          <p:nvPr>
-            <p:ph type="sldNum" sz="quarter" idx="5"/>
-          </p:nvPr>
-        </p:nvSpPr>
-        <p:spPr/>
-        <p:txBody>
-          <a:bodyPr/>
-          <a:lstStyle/>
-          <a:p>
-            <a:fld id="{22F0B2BB-41D7-4AE0-9421-4EBB4D8FFD84}" type="slidenum">
-              <a:rPr lang="en-CA" smtClean="0"/>
-              <a:t>19</a:t>
+              <a:t>18</a:t>
             </a:fld>
             <a:endParaRPr lang="en-CA"/>
           </a:p>
@@ -21171,7 +21349,7 @@
 </p:notes>
 </file>
 
-<file path=ppt/notesSlides/notesSlide7.xml><?xml version="1.0" encoding="utf-8"?>
+<file path=ppt/notesSlides/notesSlide9.xml><?xml version="1.0" encoding="utf-8"?>
 <p:notes xmlns:a="http://schemas.openxmlformats.org/drawingml/2006/main" xmlns:r="http://schemas.openxmlformats.org/officeDocument/2006/relationships" xmlns:p="http://schemas.openxmlformats.org/presentationml/2006/main">
   <p:cSld>
     <p:spTree>
@@ -21408,9 +21586,9 @@
           <a:bodyPr/>
           <a:lstStyle/>
           <a:p>
-            <a:fld id="{2F3E8B1C-86EF-43CF-8304-249481088644}" type="datetimeFigureOut">
+            <a:fld id="{1E606B8A-786F-48A3-87FB-F3F40B2D94CC}" type="datetime1">
               <a:rPr lang="en-US" smtClean="0"/>
-              <a:t>3/19/2022</a:t>
+              <a:t>3/21/2022</a:t>
             </a:fld>
             <a:endParaRPr lang="en-US"/>
           </a:p>
@@ -21606,9 +21784,9 @@
           <a:bodyPr/>
           <a:lstStyle/>
           <a:p>
-            <a:fld id="{2F3E8B1C-86EF-43CF-8304-249481088644}" type="datetimeFigureOut">
+            <a:fld id="{B8817522-15DC-4976-BDB3-0399E5D979C0}" type="datetime1">
               <a:rPr lang="en-US" smtClean="0"/>
-              <a:t>3/19/2022</a:t>
+              <a:t>3/21/2022</a:t>
             </a:fld>
             <a:endParaRPr lang="en-US"/>
           </a:p>
@@ -21814,9 +21992,9 @@
           <a:bodyPr/>
           <a:lstStyle/>
           <a:p>
-            <a:fld id="{2F3E8B1C-86EF-43CF-8304-249481088644}" type="datetimeFigureOut">
+            <a:fld id="{BA8680BC-C5C4-4CC4-879D-3A339E09A16C}" type="datetime1">
               <a:rPr lang="en-US" smtClean="0"/>
-              <a:t>3/19/2022</a:t>
+              <a:t>3/21/2022</a:t>
             </a:fld>
             <a:endParaRPr lang="en-US"/>
           </a:p>
@@ -22012,9 +22190,9 @@
           <a:bodyPr/>
           <a:lstStyle/>
           <a:p>
-            <a:fld id="{2F3E8B1C-86EF-43CF-8304-249481088644}" type="datetimeFigureOut">
+            <a:fld id="{5C42CD30-A200-4D7D-BEFA-3B390F8636FF}" type="datetime1">
               <a:rPr lang="en-US" smtClean="0"/>
-              <a:t>3/19/2022</a:t>
+              <a:t>3/21/2022</a:t>
             </a:fld>
             <a:endParaRPr lang="en-US"/>
           </a:p>
@@ -22287,9 +22465,9 @@
           <a:bodyPr/>
           <a:lstStyle/>
           <a:p>
-            <a:fld id="{2F3E8B1C-86EF-43CF-8304-249481088644}" type="datetimeFigureOut">
+            <a:fld id="{2D01DCC5-F772-4112-B801-110C3D551DED}" type="datetime1">
               <a:rPr lang="en-US" smtClean="0"/>
-              <a:t>3/19/2022</a:t>
+              <a:t>3/21/2022</a:t>
             </a:fld>
             <a:endParaRPr lang="en-US"/>
           </a:p>
@@ -22557,9 +22735,9 @@
           <a:bodyPr/>
           <a:lstStyle/>
           <a:p>
-            <a:fld id="{2F3E8B1C-86EF-43CF-8304-249481088644}" type="datetimeFigureOut">
+            <a:fld id="{51268131-D1B4-411F-B615-C1E1937C18FE}" type="datetime1">
               <a:rPr lang="en-US" smtClean="0"/>
-              <a:t>3/19/2022</a:t>
+              <a:t>3/21/2022</a:t>
             </a:fld>
             <a:endParaRPr lang="en-US"/>
           </a:p>
@@ -22977,9 +23155,9 @@
           <a:bodyPr/>
           <a:lstStyle/>
           <a:p>
-            <a:fld id="{2F3E8B1C-86EF-43CF-8304-249481088644}" type="datetimeFigureOut">
+            <a:fld id="{7B717935-401E-4B41-944F-2A4D772F7637}" type="datetime1">
               <a:rPr lang="en-US" smtClean="0"/>
-              <a:t>3/19/2022</a:t>
+              <a:t>3/21/2022</a:t>
             </a:fld>
             <a:endParaRPr lang="en-US"/>
           </a:p>
@@ -23118,9 +23296,9 @@
           <a:bodyPr/>
           <a:lstStyle/>
           <a:p>
-            <a:fld id="{2F3E8B1C-86EF-43CF-8304-249481088644}" type="datetimeFigureOut">
+            <a:fld id="{D28F5BA5-8FC8-4C0B-AD63-3CABE302B605}" type="datetime1">
               <a:rPr lang="en-US" smtClean="0"/>
-              <a:t>3/19/2022</a:t>
+              <a:t>3/21/2022</a:t>
             </a:fld>
             <a:endParaRPr lang="en-US"/>
           </a:p>
@@ -23231,9 +23409,9 @@
           <a:bodyPr/>
           <a:lstStyle/>
           <a:p>
-            <a:fld id="{2F3E8B1C-86EF-43CF-8304-249481088644}" type="datetimeFigureOut">
+            <a:fld id="{251A7FA4-42D7-4833-8122-86B5FB77FFB3}" type="datetime1">
               <a:rPr lang="en-US" smtClean="0"/>
-              <a:t>3/19/2022</a:t>
+              <a:t>3/21/2022</a:t>
             </a:fld>
             <a:endParaRPr lang="en-US"/>
           </a:p>
@@ -23542,9 +23720,9 @@
           <a:bodyPr/>
           <a:lstStyle/>
           <a:p>
-            <a:fld id="{2F3E8B1C-86EF-43CF-8304-249481088644}" type="datetimeFigureOut">
+            <a:fld id="{478952D8-2E8B-4E89-B053-0B02D6D4FD8D}" type="datetime1">
               <a:rPr lang="en-US" smtClean="0"/>
-              <a:t>3/19/2022</a:t>
+              <a:t>3/21/2022</a:t>
             </a:fld>
             <a:endParaRPr lang="en-US"/>
           </a:p>
@@ -23830,9 +24008,9 @@
           <a:bodyPr/>
           <a:lstStyle/>
           <a:p>
-            <a:fld id="{2F3E8B1C-86EF-43CF-8304-249481088644}" type="datetimeFigureOut">
+            <a:fld id="{22750191-F02F-4AB7-A945-27139C9B85D7}" type="datetime1">
               <a:rPr lang="en-US" smtClean="0"/>
-              <a:t>3/19/2022</a:t>
+              <a:t>3/21/2022</a:t>
             </a:fld>
             <a:endParaRPr lang="en-US"/>
           </a:p>
@@ -24070,10 +24248,9 @@
             </a:lvl1pPr>
           </a:lstStyle>
           <a:p>
-            <a:fld id="{2F3E8B1C-86EF-43CF-8304-249481088644}" type="datetimeFigureOut">
+            <a:fld id="{8DE48450-9ADC-4588-9BA4-874A59B0EC0B}" type="datetime1">
               <a:rPr lang="en-US" smtClean="0"/>
-              <a:pPr/>
-              <a:t>3/19/2022</a:t>
+              <a:t>3/21/2022</a:t>
             </a:fld>
             <a:endParaRPr lang="en-US" dirty="0"/>
           </a:p>
@@ -24274,6 +24451,7 @@
     <p:sldLayoutId id="2147483717" r:id="rId10"/>
     <p:sldLayoutId id="2147483719" r:id="rId11"/>
   </p:sldLayoutIdLst>
+  <p:hf hdr="0" ftr="0" dt="0"/>
   <p:txStyles>
     <p:titleStyle>
       <a:lvl1pPr algn="l" defTabSz="914400" rtl="0" eaLnBrk="1" latinLnBrk="0" hangingPunct="1">
@@ -24816,6 +24994,35 @@
           </a:fontRef>
         </p:style>
       </p:cxnSp>
+      <p:sp>
+        <p:nvSpPr>
+          <p:cNvPr id="4" name="Slide Number Placeholder 3">
+            <a:extLst>
+              <a:ext uri="{FF2B5EF4-FFF2-40B4-BE49-F238E27FC236}">
+                <a16:creationId xmlns:a16="http://schemas.microsoft.com/office/drawing/2014/main" id="{E723740A-C989-4B01-B783-190750C8EDCD}"/>
+              </a:ext>
+            </a:extLst>
+          </p:cNvPr>
+          <p:cNvSpPr>
+            <a:spLocks noGrp="1"/>
+          </p:cNvSpPr>
+          <p:nvPr>
+            <p:ph type="sldNum" sz="quarter" idx="12"/>
+          </p:nvPr>
+        </p:nvSpPr>
+        <p:spPr/>
+        <p:txBody>
+          <a:bodyPr/>
+          <a:lstStyle/>
+          <a:p>
+            <a:fld id="{C3DB2ADC-AF19-4574-8C10-79B5B04FCA27}" type="slidenum">
+              <a:rPr lang="en-US" smtClean="0"/>
+              <a:t>1</a:t>
+            </a:fld>
+            <a:endParaRPr lang="en-US"/>
+          </a:p>
+        </p:txBody>
+      </p:sp>
     </p:spTree>
     <p:extLst>
       <p:ext uri="{BB962C8B-B14F-4D97-AF65-F5344CB8AC3E}">
@@ -24830,6 +25037,652 @@
 </file>
 
 <file path=ppt/slides/slide10.xml><?xml version="1.0" encoding="utf-8"?>
+<p:sld xmlns:a="http://schemas.openxmlformats.org/drawingml/2006/main" xmlns:r="http://schemas.openxmlformats.org/officeDocument/2006/relationships" xmlns:p="http://schemas.openxmlformats.org/presentationml/2006/main">
+  <p:cSld>
+    <p:spTree>
+      <p:nvGrpSpPr>
+        <p:cNvPr id="1" name=""/>
+        <p:cNvGrpSpPr/>
+        <p:nvPr/>
+      </p:nvGrpSpPr>
+      <p:grpSpPr>
+        <a:xfrm>
+          <a:off x="0" y="0"/>
+          <a:ext cx="0" cy="0"/>
+          <a:chOff x="0" y="0"/>
+          <a:chExt cx="0" cy="0"/>
+        </a:xfrm>
+      </p:grpSpPr>
+      <p:sp>
+        <p:nvSpPr>
+          <p:cNvPr id="2" name="Title 1">
+            <a:extLst>
+              <a:ext uri="{FF2B5EF4-FFF2-40B4-BE49-F238E27FC236}">
+                <a16:creationId xmlns:a16="http://schemas.microsoft.com/office/drawing/2014/main" id="{2A918CF8-3CC7-4B46-BBDB-2D9DC268EA24}"/>
+              </a:ext>
+            </a:extLst>
+          </p:cNvPr>
+          <p:cNvSpPr>
+            <a:spLocks noGrp="1"/>
+          </p:cNvSpPr>
+          <p:nvPr>
+            <p:ph type="title"/>
+          </p:nvPr>
+        </p:nvSpPr>
+        <p:spPr>
+          <a:xfrm>
+            <a:off x="685800" y="899024"/>
+            <a:ext cx="3076032" cy="3914947"/>
+          </a:xfrm>
+        </p:spPr>
+        <p:txBody>
+          <a:bodyPr vert="horz" lIns="91440" tIns="45720" rIns="91440" bIns="45720" rtlCol="0" anchor="t">
+            <a:normAutofit/>
+          </a:bodyPr>
+          <a:lstStyle/>
+          <a:p>
+            <a:r>
+              <a:rPr lang="en-US" sz="3100" dirty="0"/>
+              <a:t>Sequence Recall</a:t>
+            </a:r>
+          </a:p>
+        </p:txBody>
+      </p:sp>
+      <p:pic>
+        <p:nvPicPr>
+          <p:cNvPr id="8" name="Picture 7" descr="Diagram&#10;&#10;Description automatically generated">
+            <a:extLst>
+              <a:ext uri="{FF2B5EF4-FFF2-40B4-BE49-F238E27FC236}">
+                <a16:creationId xmlns:a16="http://schemas.microsoft.com/office/drawing/2014/main" id="{72059367-01DB-423F-89D9-D3E118DBC894}"/>
+              </a:ext>
+            </a:extLst>
+          </p:cNvPr>
+          <p:cNvPicPr>
+            <a:picLocks noChangeAspect="1"/>
+          </p:cNvPicPr>
+          <p:nvPr/>
+        </p:nvPicPr>
+        <p:blipFill>
+          <a:blip r:embed="rId3">
+            <a:extLst>
+              <a:ext uri="{28A0092B-C50C-407E-A947-70E740481C1C}">
+                <a14:useLocalDpi xmlns:a14="http://schemas.microsoft.com/office/drawing/2010/main" val="0"/>
+              </a:ext>
+            </a:extLst>
+          </a:blip>
+          <a:stretch>
+            <a:fillRect/>
+          </a:stretch>
+        </p:blipFill>
+        <p:spPr>
+          <a:xfrm>
+            <a:off x="2942535" y="1280681"/>
+            <a:ext cx="7273181" cy="3792764"/>
+          </a:xfrm>
+          <a:prstGeom prst="rect">
+            <a:avLst/>
+          </a:prstGeom>
+        </p:spPr>
+      </p:pic>
+      <p:pic>
+        <p:nvPicPr>
+          <p:cNvPr id="4" name="Picture 3" descr="Graphical user interface, text, application&#10;&#10;Description automatically generated">
+            <a:extLst>
+              <a:ext uri="{FF2B5EF4-FFF2-40B4-BE49-F238E27FC236}">
+                <a16:creationId xmlns:a16="http://schemas.microsoft.com/office/drawing/2014/main" id="{E5637E75-41DC-4F62-8075-BA1632A0DADA}"/>
+              </a:ext>
+            </a:extLst>
+          </p:cNvPr>
+          <p:cNvPicPr>
+            <a:picLocks noChangeAspect="1"/>
+          </p:cNvPicPr>
+          <p:nvPr/>
+        </p:nvPicPr>
+        <p:blipFill>
+          <a:blip r:embed="rId4">
+            <a:extLst>
+              <a:ext uri="{28A0092B-C50C-407E-A947-70E740481C1C}">
+                <a14:useLocalDpi xmlns:a14="http://schemas.microsoft.com/office/drawing/2010/main" val="0"/>
+              </a:ext>
+            </a:extLst>
+          </a:blip>
+          <a:stretch>
+            <a:fillRect/>
+          </a:stretch>
+        </p:blipFill>
+        <p:spPr>
+          <a:xfrm>
+            <a:off x="2942535" y="4651126"/>
+            <a:ext cx="7503620" cy="1307850"/>
+          </a:xfrm>
+          <a:prstGeom prst="rect">
+            <a:avLst/>
+          </a:prstGeom>
+        </p:spPr>
+      </p:pic>
+      <p:sp>
+        <p:nvSpPr>
+          <p:cNvPr id="3" name="Slide Number Placeholder 2">
+            <a:extLst>
+              <a:ext uri="{FF2B5EF4-FFF2-40B4-BE49-F238E27FC236}">
+                <a16:creationId xmlns:a16="http://schemas.microsoft.com/office/drawing/2014/main" id="{B6D91C4C-8862-40CE-8896-62B175295F10}"/>
+              </a:ext>
+            </a:extLst>
+          </p:cNvPr>
+          <p:cNvSpPr>
+            <a:spLocks noGrp="1"/>
+          </p:cNvSpPr>
+          <p:nvPr>
+            <p:ph type="sldNum" sz="quarter" idx="12"/>
+          </p:nvPr>
+        </p:nvSpPr>
+        <p:spPr/>
+        <p:txBody>
+          <a:bodyPr/>
+          <a:lstStyle/>
+          <a:p>
+            <a:fld id="{C3DB2ADC-AF19-4574-8C10-79B5B04FCA27}" type="slidenum">
+              <a:rPr lang="en-US" smtClean="0"/>
+              <a:t>10</a:t>
+            </a:fld>
+            <a:endParaRPr lang="en-US"/>
+          </a:p>
+        </p:txBody>
+      </p:sp>
+    </p:spTree>
+    <p:extLst>
+      <p:ext uri="{BB962C8B-B14F-4D97-AF65-F5344CB8AC3E}">
+        <p14:creationId xmlns:p14="http://schemas.microsoft.com/office/powerpoint/2010/main" val="4058207101"/>
+      </p:ext>
+    </p:extLst>
+  </p:cSld>
+  <p:clrMapOvr>
+    <a:masterClrMapping/>
+  </p:clrMapOvr>
+</p:sld>
+</file>
+
+<file path=ppt/slides/slide11.xml><?xml version="1.0" encoding="utf-8"?>
+<p:sld xmlns:a="http://schemas.openxmlformats.org/drawingml/2006/main" xmlns:r="http://schemas.openxmlformats.org/officeDocument/2006/relationships" xmlns:p="http://schemas.openxmlformats.org/presentationml/2006/main">
+  <p:cSld>
+    <p:spTree>
+      <p:nvGrpSpPr>
+        <p:cNvPr id="1" name=""/>
+        <p:cNvGrpSpPr/>
+        <p:nvPr/>
+      </p:nvGrpSpPr>
+      <p:grpSpPr>
+        <a:xfrm>
+          <a:off x="0" y="0"/>
+          <a:ext cx="0" cy="0"/>
+          <a:chOff x="0" y="0"/>
+          <a:chExt cx="0" cy="0"/>
+        </a:xfrm>
+      </p:grpSpPr>
+      <p:sp>
+        <p:nvSpPr>
+          <p:cNvPr id="2" name="Title 1">
+            <a:extLst>
+              <a:ext uri="{FF2B5EF4-FFF2-40B4-BE49-F238E27FC236}">
+                <a16:creationId xmlns:a16="http://schemas.microsoft.com/office/drawing/2014/main" id="{C22FED2C-53D5-41F6-A522-1B11B36905B2}"/>
+              </a:ext>
+            </a:extLst>
+          </p:cNvPr>
+          <p:cNvSpPr>
+            <a:spLocks noGrp="1"/>
+          </p:cNvSpPr>
+          <p:nvPr>
+            <p:ph type="title"/>
+          </p:nvPr>
+        </p:nvSpPr>
+        <p:spPr/>
+        <p:txBody>
+          <a:bodyPr/>
+          <a:lstStyle/>
+          <a:p>
+            <a:r>
+              <a:rPr lang="en-US" dirty="0"/>
+              <a:t>Genetic programming vs neural network</a:t>
+            </a:r>
+            <a:endParaRPr lang="en-CA" dirty="0"/>
+          </a:p>
+        </p:txBody>
+      </p:sp>
+      <p:pic>
+        <p:nvPicPr>
+          <p:cNvPr id="5" name="Picture 4" descr="Chart, histogram&#10;&#10;Description automatically generated">
+            <a:extLst>
+              <a:ext uri="{FF2B5EF4-FFF2-40B4-BE49-F238E27FC236}">
+                <a16:creationId xmlns:a16="http://schemas.microsoft.com/office/drawing/2014/main" id="{84494158-0BD4-4FCE-84F3-BA788B5C914F}"/>
+              </a:ext>
+            </a:extLst>
+          </p:cNvPr>
+          <p:cNvPicPr>
+            <a:picLocks noChangeAspect="1"/>
+          </p:cNvPicPr>
+          <p:nvPr/>
+        </p:nvPicPr>
+        <p:blipFill>
+          <a:blip r:embed="rId2">
+            <a:extLst>
+              <a:ext uri="{28A0092B-C50C-407E-A947-70E740481C1C}">
+                <a14:useLocalDpi xmlns:a14="http://schemas.microsoft.com/office/drawing/2010/main" val="0"/>
+              </a:ext>
+            </a:extLst>
+          </a:blip>
+          <a:stretch>
+            <a:fillRect/>
+          </a:stretch>
+        </p:blipFill>
+        <p:spPr>
+          <a:xfrm>
+            <a:off x="700635" y="1607611"/>
+            <a:ext cx="5221234" cy="3950216"/>
+          </a:xfrm>
+          <a:prstGeom prst="rect">
+            <a:avLst/>
+          </a:prstGeom>
+        </p:spPr>
+      </p:pic>
+      <p:pic>
+        <p:nvPicPr>
+          <p:cNvPr id="7" name="Picture 6" descr="Chart&#10;&#10;Description automatically generated">
+            <a:extLst>
+              <a:ext uri="{FF2B5EF4-FFF2-40B4-BE49-F238E27FC236}">
+                <a16:creationId xmlns:a16="http://schemas.microsoft.com/office/drawing/2014/main" id="{96A36563-0194-45E0-BE8F-0CA77BF5623D}"/>
+              </a:ext>
+            </a:extLst>
+          </p:cNvPr>
+          <p:cNvPicPr>
+            <a:picLocks noChangeAspect="1"/>
+          </p:cNvPicPr>
+          <p:nvPr/>
+        </p:nvPicPr>
+        <p:blipFill>
+          <a:blip r:embed="rId3">
+            <a:extLst>
+              <a:ext uri="{28A0092B-C50C-407E-A947-70E740481C1C}">
+                <a14:useLocalDpi xmlns:a14="http://schemas.microsoft.com/office/drawing/2010/main" val="0"/>
+              </a:ext>
+            </a:extLst>
+          </a:blip>
+          <a:stretch>
+            <a:fillRect/>
+          </a:stretch>
+        </p:blipFill>
+        <p:spPr>
+          <a:xfrm>
+            <a:off x="6046267" y="1607611"/>
+            <a:ext cx="5221234" cy="3950216"/>
+          </a:xfrm>
+          <a:prstGeom prst="rect">
+            <a:avLst/>
+          </a:prstGeom>
+        </p:spPr>
+      </p:pic>
+      <p:sp>
+        <p:nvSpPr>
+          <p:cNvPr id="3" name="Slide Number Placeholder 2">
+            <a:extLst>
+              <a:ext uri="{FF2B5EF4-FFF2-40B4-BE49-F238E27FC236}">
+                <a16:creationId xmlns:a16="http://schemas.microsoft.com/office/drawing/2014/main" id="{E65F724C-AABE-429D-AF0A-1AD157D0BC48}"/>
+              </a:ext>
+            </a:extLst>
+          </p:cNvPr>
+          <p:cNvSpPr>
+            <a:spLocks noGrp="1"/>
+          </p:cNvSpPr>
+          <p:nvPr>
+            <p:ph type="sldNum" sz="quarter" idx="12"/>
+          </p:nvPr>
+        </p:nvSpPr>
+        <p:spPr/>
+        <p:txBody>
+          <a:bodyPr/>
+          <a:lstStyle/>
+          <a:p>
+            <a:fld id="{C3DB2ADC-AF19-4574-8C10-79B5B04FCA27}" type="slidenum">
+              <a:rPr lang="en-US" smtClean="0"/>
+              <a:t>11</a:t>
+            </a:fld>
+            <a:endParaRPr lang="en-US"/>
+          </a:p>
+        </p:txBody>
+      </p:sp>
+    </p:spTree>
+    <p:extLst>
+      <p:ext uri="{BB962C8B-B14F-4D97-AF65-F5344CB8AC3E}">
+        <p14:creationId xmlns:p14="http://schemas.microsoft.com/office/powerpoint/2010/main" val="4009676618"/>
+      </p:ext>
+    </p:extLst>
+  </p:cSld>
+  <p:clrMapOvr>
+    <a:masterClrMapping/>
+  </p:clrMapOvr>
+</p:sld>
+</file>
+
+<file path=ppt/slides/slide12.xml><?xml version="1.0" encoding="utf-8"?>
+<p:sld xmlns:a="http://schemas.openxmlformats.org/drawingml/2006/main" xmlns:r="http://schemas.openxmlformats.org/officeDocument/2006/relationships" xmlns:p="http://schemas.openxmlformats.org/presentationml/2006/main">
+  <p:cSld>
+    <p:spTree>
+      <p:nvGrpSpPr>
+        <p:cNvPr id="1" name=""/>
+        <p:cNvGrpSpPr/>
+        <p:nvPr/>
+      </p:nvGrpSpPr>
+      <p:grpSpPr>
+        <a:xfrm>
+          <a:off x="0" y="0"/>
+          <a:ext cx="0" cy="0"/>
+          <a:chOff x="0" y="0"/>
+          <a:chExt cx="0" cy="0"/>
+        </a:xfrm>
+      </p:grpSpPr>
+      <p:sp>
+        <p:nvSpPr>
+          <p:cNvPr id="2" name="Title 1">
+            <a:extLst>
+              <a:ext uri="{FF2B5EF4-FFF2-40B4-BE49-F238E27FC236}">
+                <a16:creationId xmlns:a16="http://schemas.microsoft.com/office/drawing/2014/main" id="{C2D00D67-B62E-4D7A-94BA-002E8F0EFF07}"/>
+              </a:ext>
+            </a:extLst>
+          </p:cNvPr>
+          <p:cNvSpPr>
+            <a:spLocks noGrp="1"/>
+          </p:cNvSpPr>
+          <p:nvPr>
+            <p:ph type="title"/>
+          </p:nvPr>
+        </p:nvSpPr>
+        <p:spPr/>
+        <p:txBody>
+          <a:bodyPr/>
+          <a:lstStyle/>
+          <a:p>
+            <a:r>
+              <a:rPr lang="en-US" dirty="0"/>
+              <a:t>Division vs full instruction set</a:t>
+            </a:r>
+            <a:endParaRPr lang="en-CA" dirty="0"/>
+          </a:p>
+        </p:txBody>
+      </p:sp>
+      <p:pic>
+        <p:nvPicPr>
+          <p:cNvPr id="5" name="Picture 4" descr="Chart&#10;&#10;Description automatically generated">
+            <a:extLst>
+              <a:ext uri="{FF2B5EF4-FFF2-40B4-BE49-F238E27FC236}">
+                <a16:creationId xmlns:a16="http://schemas.microsoft.com/office/drawing/2014/main" id="{5E41BAB7-FF8C-40F6-AD92-6A44B84640E6}"/>
+              </a:ext>
+            </a:extLst>
+          </p:cNvPr>
+          <p:cNvPicPr>
+            <a:picLocks noChangeAspect="1"/>
+          </p:cNvPicPr>
+          <p:nvPr/>
+        </p:nvPicPr>
+        <p:blipFill>
+          <a:blip r:embed="rId2">
+            <a:extLst>
+              <a:ext uri="{28A0092B-C50C-407E-A947-70E740481C1C}">
+                <a14:useLocalDpi xmlns:a14="http://schemas.microsoft.com/office/drawing/2010/main" val="0"/>
+              </a:ext>
+            </a:extLst>
+          </a:blip>
+          <a:stretch>
+            <a:fillRect/>
+          </a:stretch>
+        </p:blipFill>
+        <p:spPr>
+          <a:xfrm>
+            <a:off x="700635" y="1985688"/>
+            <a:ext cx="5221234" cy="3950216"/>
+          </a:xfrm>
+          <a:prstGeom prst="rect">
+            <a:avLst/>
+          </a:prstGeom>
+        </p:spPr>
+      </p:pic>
+      <p:pic>
+        <p:nvPicPr>
+          <p:cNvPr id="7" name="Picture 6" descr="Chart&#10;&#10;Description automatically generated">
+            <a:extLst>
+              <a:ext uri="{FF2B5EF4-FFF2-40B4-BE49-F238E27FC236}">
+                <a16:creationId xmlns:a16="http://schemas.microsoft.com/office/drawing/2014/main" id="{D7E37C13-6957-40EE-AE62-249838575B42}"/>
+              </a:ext>
+            </a:extLst>
+          </p:cNvPr>
+          <p:cNvPicPr>
+            <a:picLocks noChangeAspect="1"/>
+          </p:cNvPicPr>
+          <p:nvPr/>
+        </p:nvPicPr>
+        <p:blipFill>
+          <a:blip r:embed="rId3">
+            <a:extLst>
+              <a:ext uri="{28A0092B-C50C-407E-A947-70E740481C1C}">
+                <a14:useLocalDpi xmlns:a14="http://schemas.microsoft.com/office/drawing/2010/main" val="0"/>
+              </a:ext>
+            </a:extLst>
+          </a:blip>
+          <a:stretch>
+            <a:fillRect/>
+          </a:stretch>
+        </p:blipFill>
+        <p:spPr>
+          <a:xfrm>
+            <a:off x="6046267" y="1985688"/>
+            <a:ext cx="5221234" cy="3950216"/>
+          </a:xfrm>
+          <a:prstGeom prst="rect">
+            <a:avLst/>
+          </a:prstGeom>
+        </p:spPr>
+      </p:pic>
+      <p:sp>
+        <p:nvSpPr>
+          <p:cNvPr id="3" name="Slide Number Placeholder 2">
+            <a:extLst>
+              <a:ext uri="{FF2B5EF4-FFF2-40B4-BE49-F238E27FC236}">
+                <a16:creationId xmlns:a16="http://schemas.microsoft.com/office/drawing/2014/main" id="{35EF338A-A089-474E-9DC7-1650AA754386}"/>
+              </a:ext>
+            </a:extLst>
+          </p:cNvPr>
+          <p:cNvSpPr>
+            <a:spLocks noGrp="1"/>
+          </p:cNvSpPr>
+          <p:nvPr>
+            <p:ph type="sldNum" sz="quarter" idx="12"/>
+          </p:nvPr>
+        </p:nvSpPr>
+        <p:spPr/>
+        <p:txBody>
+          <a:bodyPr/>
+          <a:lstStyle/>
+          <a:p>
+            <a:fld id="{C3DB2ADC-AF19-4574-8C10-79B5B04FCA27}" type="slidenum">
+              <a:rPr lang="en-US" smtClean="0"/>
+              <a:t>12</a:t>
+            </a:fld>
+            <a:endParaRPr lang="en-US"/>
+          </a:p>
+        </p:txBody>
+      </p:sp>
+    </p:spTree>
+    <p:extLst>
+      <p:ext uri="{BB962C8B-B14F-4D97-AF65-F5344CB8AC3E}">
+        <p14:creationId xmlns:p14="http://schemas.microsoft.com/office/powerpoint/2010/main" val="259514722"/>
+      </p:ext>
+    </p:extLst>
+  </p:cSld>
+  <p:clrMapOvr>
+    <a:masterClrMapping/>
+  </p:clrMapOvr>
+</p:sld>
+</file>
+
+<file path=ppt/slides/slide13.xml><?xml version="1.0" encoding="utf-8"?>
+<p:sld xmlns:a="http://schemas.openxmlformats.org/drawingml/2006/main" xmlns:r="http://schemas.openxmlformats.org/officeDocument/2006/relationships" xmlns:p="http://schemas.openxmlformats.org/presentationml/2006/main">
+  <p:cSld>
+    <p:spTree>
+      <p:nvGrpSpPr>
+        <p:cNvPr id="1" name=""/>
+        <p:cNvGrpSpPr/>
+        <p:nvPr/>
+      </p:nvGrpSpPr>
+      <p:grpSpPr>
+        <a:xfrm>
+          <a:off x="0" y="0"/>
+          <a:ext cx="0" cy="0"/>
+          <a:chOff x="0" y="0"/>
+          <a:chExt cx="0" cy="0"/>
+        </a:xfrm>
+      </p:grpSpPr>
+      <p:sp>
+        <p:nvSpPr>
+          <p:cNvPr id="2" name="Title 1">
+            <a:extLst>
+              <a:ext uri="{FF2B5EF4-FFF2-40B4-BE49-F238E27FC236}">
+                <a16:creationId xmlns:a16="http://schemas.microsoft.com/office/drawing/2014/main" id="{A9F3E73D-752A-4AD6-8426-A6ED8343C4DE}"/>
+              </a:ext>
+            </a:extLst>
+          </p:cNvPr>
+          <p:cNvSpPr>
+            <a:spLocks noGrp="1"/>
+          </p:cNvSpPr>
+          <p:nvPr>
+            <p:ph type="title"/>
+          </p:nvPr>
+        </p:nvSpPr>
+        <p:spPr/>
+        <p:txBody>
+          <a:bodyPr/>
+          <a:lstStyle/>
+          <a:p>
+            <a:r>
+              <a:rPr lang="en-US" dirty="0"/>
+              <a:t>Original vs modified setup</a:t>
+            </a:r>
+            <a:endParaRPr lang="en-CA" dirty="0"/>
+          </a:p>
+        </p:txBody>
+      </p:sp>
+      <p:pic>
+        <p:nvPicPr>
+          <p:cNvPr id="5" name="Picture 4" descr="Chart&#10;&#10;Description automatically generated">
+            <a:extLst>
+              <a:ext uri="{FF2B5EF4-FFF2-40B4-BE49-F238E27FC236}">
+                <a16:creationId xmlns:a16="http://schemas.microsoft.com/office/drawing/2014/main" id="{162AF0D5-D895-411A-A7A2-928CE6B331EC}"/>
+              </a:ext>
+            </a:extLst>
+          </p:cNvPr>
+          <p:cNvPicPr>
+            <a:picLocks noChangeAspect="1"/>
+          </p:cNvPicPr>
+          <p:nvPr/>
+        </p:nvPicPr>
+        <p:blipFill>
+          <a:blip r:embed="rId3">
+            <a:extLst>
+              <a:ext uri="{28A0092B-C50C-407E-A947-70E740481C1C}">
+                <a14:useLocalDpi xmlns:a14="http://schemas.microsoft.com/office/drawing/2010/main" val="0"/>
+              </a:ext>
+            </a:extLst>
+          </a:blip>
+          <a:stretch>
+            <a:fillRect/>
+          </a:stretch>
+        </p:blipFill>
+        <p:spPr>
+          <a:xfrm>
+            <a:off x="800100" y="1985688"/>
+            <a:ext cx="5221234" cy="3950216"/>
+          </a:xfrm>
+          <a:prstGeom prst="rect">
+            <a:avLst/>
+          </a:prstGeom>
+        </p:spPr>
+      </p:pic>
+      <p:pic>
+        <p:nvPicPr>
+          <p:cNvPr id="7" name="Picture 6" descr="Chart&#10;&#10;Description automatically generated">
+            <a:extLst>
+              <a:ext uri="{FF2B5EF4-FFF2-40B4-BE49-F238E27FC236}">
+                <a16:creationId xmlns:a16="http://schemas.microsoft.com/office/drawing/2014/main" id="{0271CBDA-8344-4E24-BA2F-8F218010428B}"/>
+              </a:ext>
+            </a:extLst>
+          </p:cNvPr>
+          <p:cNvPicPr>
+            <a:picLocks noChangeAspect="1"/>
+          </p:cNvPicPr>
+          <p:nvPr/>
+        </p:nvPicPr>
+        <p:blipFill>
+          <a:blip r:embed="rId4">
+            <a:extLst>
+              <a:ext uri="{28A0092B-C50C-407E-A947-70E740481C1C}">
+                <a14:useLocalDpi xmlns:a14="http://schemas.microsoft.com/office/drawing/2010/main" val="0"/>
+              </a:ext>
+            </a:extLst>
+          </a:blip>
+          <a:stretch>
+            <a:fillRect/>
+          </a:stretch>
+        </p:blipFill>
+        <p:spPr>
+          <a:xfrm>
+            <a:off x="6120799" y="1985688"/>
+            <a:ext cx="5221234" cy="3950216"/>
+          </a:xfrm>
+          <a:prstGeom prst="rect">
+            <a:avLst/>
+          </a:prstGeom>
+        </p:spPr>
+      </p:pic>
+      <p:sp>
+        <p:nvSpPr>
+          <p:cNvPr id="3" name="Slide Number Placeholder 2">
+            <a:extLst>
+              <a:ext uri="{FF2B5EF4-FFF2-40B4-BE49-F238E27FC236}">
+                <a16:creationId xmlns:a16="http://schemas.microsoft.com/office/drawing/2014/main" id="{831E8C7B-633F-417B-9296-06F8F1564D85}"/>
+              </a:ext>
+            </a:extLst>
+          </p:cNvPr>
+          <p:cNvSpPr>
+            <a:spLocks noGrp="1"/>
+          </p:cNvSpPr>
+          <p:nvPr>
+            <p:ph type="sldNum" sz="quarter" idx="12"/>
+          </p:nvPr>
+        </p:nvSpPr>
+        <p:spPr/>
+        <p:txBody>
+          <a:bodyPr/>
+          <a:lstStyle/>
+          <a:p>
+            <a:fld id="{C3DB2ADC-AF19-4574-8C10-79B5B04FCA27}" type="slidenum">
+              <a:rPr lang="en-US" smtClean="0"/>
+              <a:t>13</a:t>
+            </a:fld>
+            <a:endParaRPr lang="en-US"/>
+          </a:p>
+        </p:txBody>
+      </p:sp>
+    </p:spTree>
+    <p:extLst>
+      <p:ext uri="{BB962C8B-B14F-4D97-AF65-F5344CB8AC3E}">
+        <p14:creationId xmlns:p14="http://schemas.microsoft.com/office/powerpoint/2010/main" val="3537112743"/>
+      </p:ext>
+    </p:extLst>
+  </p:cSld>
+  <p:clrMapOvr>
+    <a:masterClrMapping/>
+  </p:clrMapOvr>
+</p:sld>
+</file>
+
+<file path=ppt/slides/slide14.xml><?xml version="1.0" encoding="utf-8"?>
 <p:sld xmlns:a="http://schemas.openxmlformats.org/drawingml/2006/main" xmlns:r="http://schemas.openxmlformats.org/officeDocument/2006/relationships" xmlns:p="http://schemas.openxmlformats.org/presentationml/2006/main">
   <p:cSld>
     <p:bg>
@@ -25209,42 +26062,12 @@
           </a:fontRef>
         </p:style>
       </p:cxnSp>
-    </p:spTree>
-    <p:extLst>
-      <p:ext uri="{BB962C8B-B14F-4D97-AF65-F5344CB8AC3E}">
-        <p14:creationId xmlns:p14="http://schemas.microsoft.com/office/powerpoint/2010/main" val="2303600989"/>
-      </p:ext>
-    </p:extLst>
-  </p:cSld>
-  <p:clrMapOvr>
-    <a:masterClrMapping/>
-  </p:clrMapOvr>
-</p:sld>
-</file>
-
-<file path=ppt/slides/slide11.xml><?xml version="1.0" encoding="utf-8"?>
-<p:sld xmlns:a="http://schemas.openxmlformats.org/drawingml/2006/main" xmlns:r="http://schemas.openxmlformats.org/officeDocument/2006/relationships" xmlns:p="http://schemas.openxmlformats.org/presentationml/2006/main">
-  <p:cSld>
-    <p:spTree>
-      <p:nvGrpSpPr>
-        <p:cNvPr id="1" name=""/>
-        <p:cNvGrpSpPr/>
-        <p:nvPr/>
-      </p:nvGrpSpPr>
-      <p:grpSpPr>
-        <a:xfrm>
-          <a:off x="0" y="0"/>
-          <a:ext cx="0" cy="0"/>
-          <a:chOff x="0" y="0"/>
-          <a:chExt cx="0" cy="0"/>
-        </a:xfrm>
-      </p:grpSpPr>
       <p:sp>
         <p:nvSpPr>
-          <p:cNvPr id="2" name="Title 1">
+          <p:cNvPr id="3" name="Slide Number Placeholder 2">
             <a:extLst>
               <a:ext uri="{FF2B5EF4-FFF2-40B4-BE49-F238E27FC236}">
-                <a16:creationId xmlns:a16="http://schemas.microsoft.com/office/drawing/2014/main" id="{AB6B047F-43C2-4C78-9056-565B18ADFE60}"/>
+                <a16:creationId xmlns:a16="http://schemas.microsoft.com/office/drawing/2014/main" id="{80E5F339-E618-4456-933B-E8AB990F8A1A}"/>
               </a:ext>
             </a:extLst>
           </p:cNvPr>
@@ -25252,7 +26075,7 @@
             <a:spLocks noGrp="1"/>
           </p:cNvSpPr>
           <p:nvPr>
-            <p:ph type="title"/>
+            <p:ph type="sldNum" sz="quarter" idx="12"/>
           </p:nvPr>
         </p:nvSpPr>
         <p:spPr/>
@@ -25260,489 +26083,18 @@
           <a:bodyPr/>
           <a:lstStyle/>
           <a:p>
-            <a:r>
-              <a:rPr lang="en-US" dirty="0"/>
-              <a:t>Genetic Programing vs Neural Network</a:t>
-            </a:r>
-            <a:endParaRPr lang="en-CA" dirty="0"/>
+            <a:fld id="{C3DB2ADC-AF19-4574-8C10-79B5B04FCA27}" type="slidenum">
+              <a:rPr lang="en-US" smtClean="0"/>
+              <a:t>14</a:t>
+            </a:fld>
+            <a:endParaRPr lang="en-US"/>
           </a:p>
         </p:txBody>
       </p:sp>
-      <p:pic>
-        <p:nvPicPr>
-          <p:cNvPr id="5" name="Picture 4" descr="Chart&#10;&#10;Description automatically generated">
-            <a:extLst>
-              <a:ext uri="{FF2B5EF4-FFF2-40B4-BE49-F238E27FC236}">
-                <a16:creationId xmlns:a16="http://schemas.microsoft.com/office/drawing/2014/main" id="{53B02073-B089-41CE-99D6-747ECE0C47CE}"/>
-              </a:ext>
-            </a:extLst>
-          </p:cNvPr>
-          <p:cNvPicPr>
-            <a:picLocks noChangeAspect="1"/>
-          </p:cNvPicPr>
-          <p:nvPr/>
-        </p:nvPicPr>
-        <p:blipFill>
-          <a:blip r:embed="rId2">
-            <a:extLst>
-              <a:ext uri="{28A0092B-C50C-407E-A947-70E740481C1C}">
-                <a14:useLocalDpi xmlns:a14="http://schemas.microsoft.com/office/drawing/2010/main" val="0"/>
-              </a:ext>
-            </a:extLst>
-          </a:blip>
-          <a:stretch>
-            <a:fillRect/>
-          </a:stretch>
-        </p:blipFill>
-        <p:spPr>
-          <a:xfrm>
-            <a:off x="700635" y="1614985"/>
-            <a:ext cx="5221234" cy="3950216"/>
-          </a:xfrm>
-          <a:prstGeom prst="rect">
-            <a:avLst/>
-          </a:prstGeom>
-        </p:spPr>
-      </p:pic>
-      <p:pic>
-        <p:nvPicPr>
-          <p:cNvPr id="7" name="Picture 6" descr="Chart&#10;&#10;Description automatically generated">
-            <a:extLst>
-              <a:ext uri="{FF2B5EF4-FFF2-40B4-BE49-F238E27FC236}">
-                <a16:creationId xmlns:a16="http://schemas.microsoft.com/office/drawing/2014/main" id="{EFC6E01A-5DCD-4CCB-A61C-B850774EBDFD}"/>
-              </a:ext>
-            </a:extLst>
-          </p:cNvPr>
-          <p:cNvPicPr>
-            <a:picLocks noChangeAspect="1"/>
-          </p:cNvPicPr>
-          <p:nvPr/>
-        </p:nvPicPr>
-        <p:blipFill>
-          <a:blip r:embed="rId3">
-            <a:extLst>
-              <a:ext uri="{28A0092B-C50C-407E-A947-70E740481C1C}">
-                <a14:useLocalDpi xmlns:a14="http://schemas.microsoft.com/office/drawing/2010/main" val="0"/>
-              </a:ext>
-            </a:extLst>
-          </a:blip>
-          <a:stretch>
-            <a:fillRect/>
-          </a:stretch>
-        </p:blipFill>
-        <p:spPr>
-          <a:xfrm>
-            <a:off x="6170666" y="1614985"/>
-            <a:ext cx="5221234" cy="3950216"/>
-          </a:xfrm>
-          <a:prstGeom prst="rect">
-            <a:avLst/>
-          </a:prstGeom>
-        </p:spPr>
-      </p:pic>
     </p:spTree>
     <p:extLst>
       <p:ext uri="{BB962C8B-B14F-4D97-AF65-F5344CB8AC3E}">
-        <p14:creationId xmlns:p14="http://schemas.microsoft.com/office/powerpoint/2010/main" val="1797966727"/>
-      </p:ext>
-    </p:extLst>
-  </p:cSld>
-  <p:clrMapOvr>
-    <a:masterClrMapping/>
-  </p:clrMapOvr>
-</p:sld>
-</file>
-
-<file path=ppt/slides/slide12.xml><?xml version="1.0" encoding="utf-8"?>
-<p:sld xmlns:a="http://schemas.openxmlformats.org/drawingml/2006/main" xmlns:r="http://schemas.openxmlformats.org/officeDocument/2006/relationships" xmlns:p="http://schemas.openxmlformats.org/presentationml/2006/main">
-  <p:cSld>
-    <p:spTree>
-      <p:nvGrpSpPr>
-        <p:cNvPr id="1" name=""/>
-        <p:cNvGrpSpPr/>
-        <p:nvPr/>
-      </p:nvGrpSpPr>
-      <p:grpSpPr>
-        <a:xfrm>
-          <a:off x="0" y="0"/>
-          <a:ext cx="0" cy="0"/>
-          <a:chOff x="0" y="0"/>
-          <a:chExt cx="0" cy="0"/>
-        </a:xfrm>
-      </p:grpSpPr>
-      <p:sp>
-        <p:nvSpPr>
-          <p:cNvPr id="2" name="Title 1">
-            <a:extLst>
-              <a:ext uri="{FF2B5EF4-FFF2-40B4-BE49-F238E27FC236}">
-                <a16:creationId xmlns:a16="http://schemas.microsoft.com/office/drawing/2014/main" id="{9388C522-3A0D-4B96-9237-16CF51BE6BB9}"/>
-              </a:ext>
-            </a:extLst>
-          </p:cNvPr>
-          <p:cNvSpPr>
-            <a:spLocks noGrp="1"/>
-          </p:cNvSpPr>
-          <p:nvPr>
-            <p:ph type="title"/>
-          </p:nvPr>
-        </p:nvSpPr>
-        <p:spPr/>
-        <p:txBody>
-          <a:bodyPr/>
-          <a:lstStyle/>
-          <a:p>
-            <a:r>
-              <a:rPr lang="en-US"/>
-              <a:t>Division vs full instruction set</a:t>
-            </a:r>
-            <a:endParaRPr lang="en-CA" dirty="0"/>
-          </a:p>
-        </p:txBody>
-      </p:sp>
-      <p:pic>
-        <p:nvPicPr>
-          <p:cNvPr id="5" name="Picture 4" descr="Chart, histogram&#10;&#10;Description automatically generated">
-            <a:extLst>
-              <a:ext uri="{FF2B5EF4-FFF2-40B4-BE49-F238E27FC236}">
-                <a16:creationId xmlns:a16="http://schemas.microsoft.com/office/drawing/2014/main" id="{89BA66C7-B52C-48E2-86A3-578C0790AAD0}"/>
-              </a:ext>
-            </a:extLst>
-          </p:cNvPr>
-          <p:cNvPicPr>
-            <a:picLocks noChangeAspect="1"/>
-          </p:cNvPicPr>
-          <p:nvPr/>
-        </p:nvPicPr>
-        <p:blipFill>
-          <a:blip r:embed="rId3">
-            <a:extLst>
-              <a:ext uri="{28A0092B-C50C-407E-A947-70E740481C1C}">
-                <a14:useLocalDpi xmlns:a14="http://schemas.microsoft.com/office/drawing/2010/main" val="0"/>
-              </a:ext>
-            </a:extLst>
-          </a:blip>
-          <a:stretch>
-            <a:fillRect/>
-          </a:stretch>
-        </p:blipFill>
-        <p:spPr>
-          <a:xfrm>
-            <a:off x="840500" y="1768525"/>
-            <a:ext cx="5221234" cy="3950216"/>
-          </a:xfrm>
-          <a:prstGeom prst="rect">
-            <a:avLst/>
-          </a:prstGeom>
-        </p:spPr>
-      </p:pic>
-      <p:pic>
-        <p:nvPicPr>
-          <p:cNvPr id="7" name="Picture 6" descr="Chart, histogram&#10;&#10;Description automatically generated">
-            <a:extLst>
-              <a:ext uri="{FF2B5EF4-FFF2-40B4-BE49-F238E27FC236}">
-                <a16:creationId xmlns:a16="http://schemas.microsoft.com/office/drawing/2014/main" id="{4C3283A1-0871-45C2-B44A-DB8D7A8BFC36}"/>
-              </a:ext>
-            </a:extLst>
-          </p:cNvPr>
-          <p:cNvPicPr>
-            <a:picLocks noChangeAspect="1"/>
-          </p:cNvPicPr>
-          <p:nvPr/>
-        </p:nvPicPr>
-        <p:blipFill>
-          <a:blip r:embed="rId4">
-            <a:extLst>
-              <a:ext uri="{28A0092B-C50C-407E-A947-70E740481C1C}">
-                <a14:useLocalDpi xmlns:a14="http://schemas.microsoft.com/office/drawing/2010/main" val="0"/>
-              </a:ext>
-            </a:extLst>
-          </a:blip>
-          <a:stretch>
-            <a:fillRect/>
-          </a:stretch>
-        </p:blipFill>
-        <p:spPr>
-          <a:xfrm>
-            <a:off x="6201599" y="1768525"/>
-            <a:ext cx="5221234" cy="3950216"/>
-          </a:xfrm>
-          <a:prstGeom prst="rect">
-            <a:avLst/>
-          </a:prstGeom>
-        </p:spPr>
-      </p:pic>
-    </p:spTree>
-    <p:extLst>
-      <p:ext uri="{BB962C8B-B14F-4D97-AF65-F5344CB8AC3E}">
-        <p14:creationId xmlns:p14="http://schemas.microsoft.com/office/powerpoint/2010/main" val="549539760"/>
-      </p:ext>
-    </p:extLst>
-  </p:cSld>
-  <p:clrMapOvr>
-    <a:masterClrMapping/>
-  </p:clrMapOvr>
-</p:sld>
-</file>
-
-<file path=ppt/slides/slide13.xml><?xml version="1.0" encoding="utf-8"?>
-<p:sld xmlns:a="http://schemas.openxmlformats.org/drawingml/2006/main" xmlns:r="http://schemas.openxmlformats.org/officeDocument/2006/relationships" xmlns:p="http://schemas.openxmlformats.org/presentationml/2006/main">
-  <p:cSld>
-    <p:spTree>
-      <p:nvGrpSpPr>
-        <p:cNvPr id="1" name=""/>
-        <p:cNvGrpSpPr/>
-        <p:nvPr/>
-      </p:nvGrpSpPr>
-      <p:grpSpPr>
-        <a:xfrm>
-          <a:off x="0" y="0"/>
-          <a:ext cx="0" cy="0"/>
-          <a:chOff x="0" y="0"/>
-          <a:chExt cx="0" cy="0"/>
-        </a:xfrm>
-      </p:grpSpPr>
-      <p:sp>
-        <p:nvSpPr>
-          <p:cNvPr id="2" name="Title 1">
-            <a:extLst>
-              <a:ext uri="{FF2B5EF4-FFF2-40B4-BE49-F238E27FC236}">
-                <a16:creationId xmlns:a16="http://schemas.microsoft.com/office/drawing/2014/main" id="{86C7E7C0-4CB8-4904-9073-5262BAEA09BA}"/>
-              </a:ext>
-            </a:extLst>
-          </p:cNvPr>
-          <p:cNvSpPr>
-            <a:spLocks noGrp="1"/>
-          </p:cNvSpPr>
-          <p:nvPr>
-            <p:ph type="title"/>
-          </p:nvPr>
-        </p:nvSpPr>
-        <p:spPr/>
-        <p:txBody>
-          <a:bodyPr/>
-          <a:lstStyle/>
-          <a:p>
-            <a:r>
-              <a:rPr lang="en-US" dirty="0"/>
-              <a:t>Original vs modified setup</a:t>
-            </a:r>
-            <a:endParaRPr lang="en-CA" dirty="0"/>
-          </a:p>
-        </p:txBody>
-      </p:sp>
-      <p:pic>
-        <p:nvPicPr>
-          <p:cNvPr id="5" name="Picture 4" descr="Chart, histogram&#10;&#10;Description automatically generated">
-            <a:extLst>
-              <a:ext uri="{FF2B5EF4-FFF2-40B4-BE49-F238E27FC236}">
-                <a16:creationId xmlns:a16="http://schemas.microsoft.com/office/drawing/2014/main" id="{508E89A5-635B-41DC-A5BE-652926666D4B}"/>
-              </a:ext>
-            </a:extLst>
-          </p:cNvPr>
-          <p:cNvPicPr>
-            <a:picLocks noChangeAspect="1"/>
-          </p:cNvPicPr>
-          <p:nvPr/>
-        </p:nvPicPr>
-        <p:blipFill>
-          <a:blip r:embed="rId3">
-            <a:extLst>
-              <a:ext uri="{28A0092B-C50C-407E-A947-70E740481C1C}">
-                <a14:useLocalDpi xmlns:a14="http://schemas.microsoft.com/office/drawing/2010/main" val="0"/>
-              </a:ext>
-            </a:extLst>
-          </a:blip>
-          <a:stretch>
-            <a:fillRect/>
-          </a:stretch>
-        </p:blipFill>
-        <p:spPr>
-          <a:xfrm>
-            <a:off x="700635" y="1709531"/>
-            <a:ext cx="5221234" cy="3950216"/>
-          </a:xfrm>
-          <a:prstGeom prst="rect">
-            <a:avLst/>
-          </a:prstGeom>
-        </p:spPr>
-      </p:pic>
-      <p:pic>
-        <p:nvPicPr>
-          <p:cNvPr id="7" name="Picture 6" descr="Chart, histogram&#10;&#10;Description automatically generated">
-            <a:extLst>
-              <a:ext uri="{FF2B5EF4-FFF2-40B4-BE49-F238E27FC236}">
-                <a16:creationId xmlns:a16="http://schemas.microsoft.com/office/drawing/2014/main" id="{DD003F13-00CF-46D9-B78B-8C880CA67375}"/>
-              </a:ext>
-            </a:extLst>
-          </p:cNvPr>
-          <p:cNvPicPr>
-            <a:picLocks noChangeAspect="1"/>
-          </p:cNvPicPr>
-          <p:nvPr/>
-        </p:nvPicPr>
-        <p:blipFill>
-          <a:blip r:embed="rId4">
-            <a:extLst>
-              <a:ext uri="{28A0092B-C50C-407E-A947-70E740481C1C}">
-                <a14:useLocalDpi xmlns:a14="http://schemas.microsoft.com/office/drawing/2010/main" val="0"/>
-              </a:ext>
-            </a:extLst>
-          </a:blip>
-          <a:stretch>
-            <a:fillRect/>
-          </a:stretch>
-        </p:blipFill>
-        <p:spPr>
-          <a:xfrm>
-            <a:off x="6046267" y="1607611"/>
-            <a:ext cx="5221234" cy="3950216"/>
-          </a:xfrm>
-          <a:prstGeom prst="rect">
-            <a:avLst/>
-          </a:prstGeom>
-        </p:spPr>
-      </p:pic>
-    </p:spTree>
-    <p:extLst>
-      <p:ext uri="{BB962C8B-B14F-4D97-AF65-F5344CB8AC3E}">
-        <p14:creationId xmlns:p14="http://schemas.microsoft.com/office/powerpoint/2010/main" val="310969441"/>
-      </p:ext>
-    </p:extLst>
-  </p:cSld>
-  <p:clrMapOvr>
-    <a:masterClrMapping/>
-  </p:clrMapOvr>
-</p:sld>
-</file>
-
-<file path=ppt/slides/slide14.xml><?xml version="1.0" encoding="utf-8"?>
-<p:sld xmlns:a="http://schemas.openxmlformats.org/drawingml/2006/main" xmlns:r="http://schemas.openxmlformats.org/officeDocument/2006/relationships" xmlns:p="http://schemas.openxmlformats.org/presentationml/2006/main">
-  <p:cSld>
-    <p:spTree>
-      <p:nvGrpSpPr>
-        <p:cNvPr id="1" name=""/>
-        <p:cNvGrpSpPr/>
-        <p:nvPr/>
-      </p:nvGrpSpPr>
-      <p:grpSpPr>
-        <a:xfrm>
-          <a:off x="0" y="0"/>
-          <a:ext cx="0" cy="0"/>
-          <a:chOff x="0" y="0"/>
-          <a:chExt cx="0" cy="0"/>
-        </a:xfrm>
-      </p:grpSpPr>
-      <p:sp>
-        <p:nvSpPr>
-          <p:cNvPr id="2" name="Title 1">
-            <a:extLst>
-              <a:ext uri="{FF2B5EF4-FFF2-40B4-BE49-F238E27FC236}">
-                <a16:creationId xmlns:a16="http://schemas.microsoft.com/office/drawing/2014/main" id="{2A918CF8-3CC7-4B46-BBDB-2D9DC268EA24}"/>
-              </a:ext>
-            </a:extLst>
-          </p:cNvPr>
-          <p:cNvSpPr>
-            <a:spLocks noGrp="1"/>
-          </p:cNvSpPr>
-          <p:nvPr>
-            <p:ph type="title"/>
-          </p:nvPr>
-        </p:nvSpPr>
-        <p:spPr>
-          <a:xfrm>
-            <a:off x="685800" y="899024"/>
-            <a:ext cx="3076032" cy="3914947"/>
-          </a:xfrm>
-        </p:spPr>
-        <p:txBody>
-          <a:bodyPr vert="horz" lIns="91440" tIns="45720" rIns="91440" bIns="45720" rtlCol="0" anchor="t">
-            <a:normAutofit/>
-          </a:bodyPr>
-          <a:lstStyle/>
-          <a:p>
-            <a:r>
-              <a:rPr lang="en-US" sz="3100" dirty="0"/>
-              <a:t>Sequence Recall</a:t>
-            </a:r>
-          </a:p>
-        </p:txBody>
-      </p:sp>
-      <p:pic>
-        <p:nvPicPr>
-          <p:cNvPr id="8" name="Picture 7" descr="Diagram&#10;&#10;Description automatically generated">
-            <a:extLst>
-              <a:ext uri="{FF2B5EF4-FFF2-40B4-BE49-F238E27FC236}">
-                <a16:creationId xmlns:a16="http://schemas.microsoft.com/office/drawing/2014/main" id="{72059367-01DB-423F-89D9-D3E118DBC894}"/>
-              </a:ext>
-            </a:extLst>
-          </p:cNvPr>
-          <p:cNvPicPr>
-            <a:picLocks noChangeAspect="1"/>
-          </p:cNvPicPr>
-          <p:nvPr/>
-        </p:nvPicPr>
-        <p:blipFill>
-          <a:blip r:embed="rId3">
-            <a:extLst>
-              <a:ext uri="{28A0092B-C50C-407E-A947-70E740481C1C}">
-                <a14:useLocalDpi xmlns:a14="http://schemas.microsoft.com/office/drawing/2010/main" val="0"/>
-              </a:ext>
-            </a:extLst>
-          </a:blip>
-          <a:stretch>
-            <a:fillRect/>
-          </a:stretch>
-        </p:blipFill>
-        <p:spPr>
-          <a:xfrm>
-            <a:off x="2942535" y="1280681"/>
-            <a:ext cx="7273181" cy="3792764"/>
-          </a:xfrm>
-          <a:prstGeom prst="rect">
-            <a:avLst/>
-          </a:prstGeom>
-        </p:spPr>
-      </p:pic>
-      <p:pic>
-        <p:nvPicPr>
-          <p:cNvPr id="4" name="Picture 3" descr="Graphical user interface, text, application&#10;&#10;Description automatically generated">
-            <a:extLst>
-              <a:ext uri="{FF2B5EF4-FFF2-40B4-BE49-F238E27FC236}">
-                <a16:creationId xmlns:a16="http://schemas.microsoft.com/office/drawing/2014/main" id="{E5637E75-41DC-4F62-8075-BA1632A0DADA}"/>
-              </a:ext>
-            </a:extLst>
-          </p:cNvPr>
-          <p:cNvPicPr>
-            <a:picLocks noChangeAspect="1"/>
-          </p:cNvPicPr>
-          <p:nvPr/>
-        </p:nvPicPr>
-        <p:blipFill>
-          <a:blip r:embed="rId4">
-            <a:extLst>
-              <a:ext uri="{28A0092B-C50C-407E-A947-70E740481C1C}">
-                <a14:useLocalDpi xmlns:a14="http://schemas.microsoft.com/office/drawing/2010/main" val="0"/>
-              </a:ext>
-            </a:extLst>
-          </a:blip>
-          <a:stretch>
-            <a:fillRect/>
-          </a:stretch>
-        </p:blipFill>
-        <p:spPr>
-          <a:xfrm>
-            <a:off x="2942535" y="4651126"/>
-            <a:ext cx="7503620" cy="1307850"/>
-          </a:xfrm>
-          <a:prstGeom prst="rect">
-            <a:avLst/>
-          </a:prstGeom>
-        </p:spPr>
-      </p:pic>
-    </p:spTree>
-    <p:extLst>
-      <p:ext uri="{BB962C8B-B14F-4D97-AF65-F5344CB8AC3E}">
-        <p14:creationId xmlns:p14="http://schemas.microsoft.com/office/powerpoint/2010/main" val="4058207101"/>
+        <p14:creationId xmlns:p14="http://schemas.microsoft.com/office/powerpoint/2010/main" val="2303600989"/>
       </p:ext>
     </p:extLst>
   </p:cSld>
@@ -25774,7 +26126,7 @@
           <p:cNvPr id="2" name="Title 1">
             <a:extLst>
               <a:ext uri="{FF2B5EF4-FFF2-40B4-BE49-F238E27FC236}">
-                <a16:creationId xmlns:a16="http://schemas.microsoft.com/office/drawing/2014/main" id="{C22FED2C-53D5-41F6-A522-1B11B36905B2}"/>
+                <a16:creationId xmlns:a16="http://schemas.microsoft.com/office/drawing/2014/main" id="{AB6B047F-43C2-4C78-9056-565B18ADFE60}"/>
               </a:ext>
             </a:extLst>
           </p:cNvPr>
@@ -25792,7 +26144,7 @@
           <a:p>
             <a:r>
               <a:rPr lang="en-US" dirty="0"/>
-              <a:t>Genetic programming vs neural network</a:t>
+              <a:t>Genetic Programing vs Neural Network</a:t>
             </a:r>
             <a:endParaRPr lang="en-CA" dirty="0"/>
           </a:p>
@@ -25800,10 +26152,10 @@
       </p:sp>
       <p:pic>
         <p:nvPicPr>
-          <p:cNvPr id="5" name="Picture 4" descr="Chart, histogram&#10;&#10;Description automatically generated">
+          <p:cNvPr id="5" name="Picture 4" descr="Chart&#10;&#10;Description automatically generated">
             <a:extLst>
               <a:ext uri="{FF2B5EF4-FFF2-40B4-BE49-F238E27FC236}">
-                <a16:creationId xmlns:a16="http://schemas.microsoft.com/office/drawing/2014/main" id="{84494158-0BD4-4FCE-84F3-BA788B5C914F}"/>
+                <a16:creationId xmlns:a16="http://schemas.microsoft.com/office/drawing/2014/main" id="{53B02073-B089-41CE-99D6-747ECE0C47CE}"/>
               </a:ext>
             </a:extLst>
           </p:cNvPr>
@@ -25826,7 +26178,7 @@
         </p:blipFill>
         <p:spPr>
           <a:xfrm>
-            <a:off x="700635" y="1607611"/>
+            <a:off x="700635" y="1614985"/>
             <a:ext cx="5221234" cy="3950216"/>
           </a:xfrm>
           <a:prstGeom prst="rect">
@@ -25839,7 +26191,7 @@
           <p:cNvPr id="7" name="Picture 6" descr="Chart&#10;&#10;Description automatically generated">
             <a:extLst>
               <a:ext uri="{FF2B5EF4-FFF2-40B4-BE49-F238E27FC236}">
-                <a16:creationId xmlns:a16="http://schemas.microsoft.com/office/drawing/2014/main" id="{96A36563-0194-45E0-BE8F-0CA77BF5623D}"/>
+                <a16:creationId xmlns:a16="http://schemas.microsoft.com/office/drawing/2014/main" id="{EFC6E01A-5DCD-4CCB-A61C-B850774EBDFD}"/>
               </a:ext>
             </a:extLst>
           </p:cNvPr>
@@ -25862,7 +26214,7 @@
         </p:blipFill>
         <p:spPr>
           <a:xfrm>
-            <a:off x="6046267" y="1607611"/>
+            <a:off x="6170666" y="1614985"/>
             <a:ext cx="5221234" cy="3950216"/>
           </a:xfrm>
           <a:prstGeom prst="rect">
@@ -25870,10 +26222,39 @@
           </a:prstGeom>
         </p:spPr>
       </p:pic>
+      <p:sp>
+        <p:nvSpPr>
+          <p:cNvPr id="3" name="Slide Number Placeholder 2">
+            <a:extLst>
+              <a:ext uri="{FF2B5EF4-FFF2-40B4-BE49-F238E27FC236}">
+                <a16:creationId xmlns:a16="http://schemas.microsoft.com/office/drawing/2014/main" id="{C671F661-1328-4481-9257-BB147F81B876}"/>
+              </a:ext>
+            </a:extLst>
+          </p:cNvPr>
+          <p:cNvSpPr>
+            <a:spLocks noGrp="1"/>
+          </p:cNvSpPr>
+          <p:nvPr>
+            <p:ph type="sldNum" sz="quarter" idx="12"/>
+          </p:nvPr>
+        </p:nvSpPr>
+        <p:spPr/>
+        <p:txBody>
+          <a:bodyPr/>
+          <a:lstStyle/>
+          <a:p>
+            <a:fld id="{C3DB2ADC-AF19-4574-8C10-79B5B04FCA27}" type="slidenum">
+              <a:rPr lang="en-US" smtClean="0"/>
+              <a:t>15</a:t>
+            </a:fld>
+            <a:endParaRPr lang="en-US"/>
+          </a:p>
+        </p:txBody>
+      </p:sp>
     </p:spTree>
     <p:extLst>
       <p:ext uri="{BB962C8B-B14F-4D97-AF65-F5344CB8AC3E}">
-        <p14:creationId xmlns:p14="http://schemas.microsoft.com/office/powerpoint/2010/main" val="4009676618"/>
+        <p14:creationId xmlns:p14="http://schemas.microsoft.com/office/powerpoint/2010/main" val="1797966727"/>
       </p:ext>
     </p:extLst>
   </p:cSld>
@@ -25905,7 +26286,7 @@
           <p:cNvPr id="2" name="Title 1">
             <a:extLst>
               <a:ext uri="{FF2B5EF4-FFF2-40B4-BE49-F238E27FC236}">
-                <a16:creationId xmlns:a16="http://schemas.microsoft.com/office/drawing/2014/main" id="{C2D00D67-B62E-4D7A-94BA-002E8F0EFF07}"/>
+                <a16:creationId xmlns:a16="http://schemas.microsoft.com/office/drawing/2014/main" id="{9388C522-3A0D-4B96-9237-16CF51BE6BB9}"/>
               </a:ext>
             </a:extLst>
           </p:cNvPr>
@@ -25922,7 +26303,7 @@
           <a:lstStyle/>
           <a:p>
             <a:r>
-              <a:rPr lang="en-US" dirty="0"/>
+              <a:rPr lang="en-US"/>
               <a:t>Division vs full instruction set</a:t>
             </a:r>
             <a:endParaRPr lang="en-CA" dirty="0"/>
@@ -25931,46 +26312,10 @@
       </p:sp>
       <p:pic>
         <p:nvPicPr>
-          <p:cNvPr id="5" name="Picture 4" descr="Chart&#10;&#10;Description automatically generated">
+          <p:cNvPr id="5" name="Picture 4" descr="Chart, histogram&#10;&#10;Description automatically generated">
             <a:extLst>
               <a:ext uri="{FF2B5EF4-FFF2-40B4-BE49-F238E27FC236}">
-                <a16:creationId xmlns:a16="http://schemas.microsoft.com/office/drawing/2014/main" id="{5E41BAB7-FF8C-40F6-AD92-6A44B84640E6}"/>
-              </a:ext>
-            </a:extLst>
-          </p:cNvPr>
-          <p:cNvPicPr>
-            <a:picLocks noChangeAspect="1"/>
-          </p:cNvPicPr>
-          <p:nvPr/>
-        </p:nvPicPr>
-        <p:blipFill>
-          <a:blip r:embed="rId2">
-            <a:extLst>
-              <a:ext uri="{28A0092B-C50C-407E-A947-70E740481C1C}">
-                <a14:useLocalDpi xmlns:a14="http://schemas.microsoft.com/office/drawing/2010/main" val="0"/>
-              </a:ext>
-            </a:extLst>
-          </a:blip>
-          <a:stretch>
-            <a:fillRect/>
-          </a:stretch>
-        </p:blipFill>
-        <p:spPr>
-          <a:xfrm>
-            <a:off x="700635" y="1985688"/>
-            <a:ext cx="5221234" cy="3950216"/>
-          </a:xfrm>
-          <a:prstGeom prst="rect">
-            <a:avLst/>
-          </a:prstGeom>
-        </p:spPr>
-      </p:pic>
-      <p:pic>
-        <p:nvPicPr>
-          <p:cNvPr id="7" name="Picture 6" descr="Chart&#10;&#10;Description automatically generated">
-            <a:extLst>
-              <a:ext uri="{FF2B5EF4-FFF2-40B4-BE49-F238E27FC236}">
-                <a16:creationId xmlns:a16="http://schemas.microsoft.com/office/drawing/2014/main" id="{D7E37C13-6957-40EE-AE62-249838575B42}"/>
+                <a16:creationId xmlns:a16="http://schemas.microsoft.com/office/drawing/2014/main" id="{89BA66C7-B52C-48E2-86A3-578C0790AAD0}"/>
               </a:ext>
             </a:extLst>
           </p:cNvPr>
@@ -25993,7 +26338,7 @@
         </p:blipFill>
         <p:spPr>
           <a:xfrm>
-            <a:off x="6046267" y="1985688"/>
+            <a:off x="840500" y="1768525"/>
             <a:ext cx="5221234" cy="3950216"/>
           </a:xfrm>
           <a:prstGeom prst="rect">
@@ -26001,10 +26346,75 @@
           </a:prstGeom>
         </p:spPr>
       </p:pic>
+      <p:pic>
+        <p:nvPicPr>
+          <p:cNvPr id="7" name="Picture 6" descr="Chart, histogram&#10;&#10;Description automatically generated">
+            <a:extLst>
+              <a:ext uri="{FF2B5EF4-FFF2-40B4-BE49-F238E27FC236}">
+                <a16:creationId xmlns:a16="http://schemas.microsoft.com/office/drawing/2014/main" id="{4C3283A1-0871-45C2-B44A-DB8D7A8BFC36}"/>
+              </a:ext>
+            </a:extLst>
+          </p:cNvPr>
+          <p:cNvPicPr>
+            <a:picLocks noChangeAspect="1"/>
+          </p:cNvPicPr>
+          <p:nvPr/>
+        </p:nvPicPr>
+        <p:blipFill>
+          <a:blip r:embed="rId4">
+            <a:extLst>
+              <a:ext uri="{28A0092B-C50C-407E-A947-70E740481C1C}">
+                <a14:useLocalDpi xmlns:a14="http://schemas.microsoft.com/office/drawing/2010/main" val="0"/>
+              </a:ext>
+            </a:extLst>
+          </a:blip>
+          <a:stretch>
+            <a:fillRect/>
+          </a:stretch>
+        </p:blipFill>
+        <p:spPr>
+          <a:xfrm>
+            <a:off x="6201599" y="1768525"/>
+            <a:ext cx="5221234" cy="3950216"/>
+          </a:xfrm>
+          <a:prstGeom prst="rect">
+            <a:avLst/>
+          </a:prstGeom>
+        </p:spPr>
+      </p:pic>
+      <p:sp>
+        <p:nvSpPr>
+          <p:cNvPr id="3" name="Slide Number Placeholder 2">
+            <a:extLst>
+              <a:ext uri="{FF2B5EF4-FFF2-40B4-BE49-F238E27FC236}">
+                <a16:creationId xmlns:a16="http://schemas.microsoft.com/office/drawing/2014/main" id="{21095D0F-97C9-43E3-AB7D-7245D784B70F}"/>
+              </a:ext>
+            </a:extLst>
+          </p:cNvPr>
+          <p:cNvSpPr>
+            <a:spLocks noGrp="1"/>
+          </p:cNvSpPr>
+          <p:nvPr>
+            <p:ph type="sldNum" sz="quarter" idx="12"/>
+          </p:nvPr>
+        </p:nvSpPr>
+        <p:spPr/>
+        <p:txBody>
+          <a:bodyPr/>
+          <a:lstStyle/>
+          <a:p>
+            <a:fld id="{C3DB2ADC-AF19-4574-8C10-79B5B04FCA27}" type="slidenum">
+              <a:rPr lang="en-US" smtClean="0"/>
+              <a:t>16</a:t>
+            </a:fld>
+            <a:endParaRPr lang="en-US"/>
+          </a:p>
+        </p:txBody>
+      </p:sp>
     </p:spTree>
     <p:extLst>
       <p:ext uri="{BB962C8B-B14F-4D97-AF65-F5344CB8AC3E}">
-        <p14:creationId xmlns:p14="http://schemas.microsoft.com/office/powerpoint/2010/main" val="259514722"/>
+        <p14:creationId xmlns:p14="http://schemas.microsoft.com/office/powerpoint/2010/main" val="549539760"/>
       </p:ext>
     </p:extLst>
   </p:cSld>
@@ -26036,7 +26446,7 @@
           <p:cNvPr id="2" name="Title 1">
             <a:extLst>
               <a:ext uri="{FF2B5EF4-FFF2-40B4-BE49-F238E27FC236}">
-                <a16:creationId xmlns:a16="http://schemas.microsoft.com/office/drawing/2014/main" id="{A9F3E73D-752A-4AD6-8426-A6ED8343C4DE}"/>
+                <a16:creationId xmlns:a16="http://schemas.microsoft.com/office/drawing/2014/main" id="{86C7E7C0-4CB8-4904-9073-5262BAEA09BA}"/>
               </a:ext>
             </a:extLst>
           </p:cNvPr>
@@ -26062,10 +26472,10 @@
       </p:sp>
       <p:pic>
         <p:nvPicPr>
-          <p:cNvPr id="5" name="Picture 4" descr="Chart&#10;&#10;Description automatically generated">
+          <p:cNvPr id="5" name="Picture 4" descr="Chart, histogram&#10;&#10;Description automatically generated">
             <a:extLst>
               <a:ext uri="{FF2B5EF4-FFF2-40B4-BE49-F238E27FC236}">
-                <a16:creationId xmlns:a16="http://schemas.microsoft.com/office/drawing/2014/main" id="{162AF0D5-D895-411A-A7A2-928CE6B331EC}"/>
+                <a16:creationId xmlns:a16="http://schemas.microsoft.com/office/drawing/2014/main" id="{508E89A5-635B-41DC-A5BE-652926666D4B}"/>
               </a:ext>
             </a:extLst>
           </p:cNvPr>
@@ -26088,7 +26498,7 @@
         </p:blipFill>
         <p:spPr>
           <a:xfrm>
-            <a:off x="800100" y="1985688"/>
+            <a:off x="700635" y="1709531"/>
             <a:ext cx="5221234" cy="3950216"/>
           </a:xfrm>
           <a:prstGeom prst="rect">
@@ -26098,10 +26508,10 @@
       </p:pic>
       <p:pic>
         <p:nvPicPr>
-          <p:cNvPr id="7" name="Picture 6" descr="Chart&#10;&#10;Description automatically generated">
+          <p:cNvPr id="7" name="Picture 6" descr="Chart, histogram&#10;&#10;Description automatically generated">
             <a:extLst>
               <a:ext uri="{FF2B5EF4-FFF2-40B4-BE49-F238E27FC236}">
-                <a16:creationId xmlns:a16="http://schemas.microsoft.com/office/drawing/2014/main" id="{0271CBDA-8344-4E24-BA2F-8F218010428B}"/>
+                <a16:creationId xmlns:a16="http://schemas.microsoft.com/office/drawing/2014/main" id="{DD003F13-00CF-46D9-B78B-8C880CA67375}"/>
               </a:ext>
             </a:extLst>
           </p:cNvPr>
@@ -26124,7 +26534,7 @@
         </p:blipFill>
         <p:spPr>
           <a:xfrm>
-            <a:off x="6120799" y="1985688"/>
+            <a:off x="6046267" y="1607611"/>
             <a:ext cx="5221234" cy="3950216"/>
           </a:xfrm>
           <a:prstGeom prst="rect">
@@ -26132,10 +26542,39 @@
           </a:prstGeom>
         </p:spPr>
       </p:pic>
+      <p:sp>
+        <p:nvSpPr>
+          <p:cNvPr id="3" name="Slide Number Placeholder 2">
+            <a:extLst>
+              <a:ext uri="{FF2B5EF4-FFF2-40B4-BE49-F238E27FC236}">
+                <a16:creationId xmlns:a16="http://schemas.microsoft.com/office/drawing/2014/main" id="{560D058E-B6C8-4539-81F4-3B7EBC2FF470}"/>
+              </a:ext>
+            </a:extLst>
+          </p:cNvPr>
+          <p:cNvSpPr>
+            <a:spLocks noGrp="1"/>
+          </p:cNvSpPr>
+          <p:nvPr>
+            <p:ph type="sldNum" sz="quarter" idx="12"/>
+          </p:nvPr>
+        </p:nvSpPr>
+        <p:spPr/>
+        <p:txBody>
+          <a:bodyPr/>
+          <a:lstStyle/>
+          <a:p>
+            <a:fld id="{C3DB2ADC-AF19-4574-8C10-79B5B04FCA27}" type="slidenum">
+              <a:rPr lang="en-US" smtClean="0"/>
+              <a:t>17</a:t>
+            </a:fld>
+            <a:endParaRPr lang="en-US"/>
+          </a:p>
+        </p:txBody>
+      </p:sp>
     </p:spTree>
     <p:extLst>
       <p:ext uri="{BB962C8B-B14F-4D97-AF65-F5344CB8AC3E}">
-        <p14:creationId xmlns:p14="http://schemas.microsoft.com/office/powerpoint/2010/main" val="3537112743"/>
+        <p14:creationId xmlns:p14="http://schemas.microsoft.com/office/powerpoint/2010/main" val="310969441"/>
       </p:ext>
     </p:extLst>
   </p:cSld>
@@ -26146,158 +26585,6 @@
 </file>
 
 <file path=ppt/slides/slide18.xml><?xml version="1.0" encoding="utf-8"?>
-<p:sld xmlns:a="http://schemas.openxmlformats.org/drawingml/2006/main" xmlns:r="http://schemas.openxmlformats.org/officeDocument/2006/relationships" xmlns:p="http://schemas.openxmlformats.org/presentationml/2006/main">
-  <p:cSld>
-    <p:spTree>
-      <p:nvGrpSpPr>
-        <p:cNvPr id="1" name=""/>
-        <p:cNvGrpSpPr/>
-        <p:nvPr/>
-      </p:nvGrpSpPr>
-      <p:grpSpPr>
-        <a:xfrm>
-          <a:off x="0" y="0"/>
-          <a:ext cx="0" cy="0"/>
-          <a:chOff x="0" y="0"/>
-          <a:chExt cx="0" cy="0"/>
-        </a:xfrm>
-      </p:grpSpPr>
-      <p:sp>
-        <p:nvSpPr>
-          <p:cNvPr id="2" name="Title 1">
-            <a:extLst>
-              <a:ext uri="{FF2B5EF4-FFF2-40B4-BE49-F238E27FC236}">
-                <a16:creationId xmlns:a16="http://schemas.microsoft.com/office/drawing/2014/main" id="{28928106-4DB8-44A7-A397-322CCEC0C8DC}"/>
-              </a:ext>
-            </a:extLst>
-          </p:cNvPr>
-          <p:cNvSpPr>
-            <a:spLocks noGrp="1"/>
-          </p:cNvSpPr>
-          <p:nvPr>
-            <p:ph type="title"/>
-          </p:nvPr>
-        </p:nvSpPr>
-        <p:spPr>
-          <a:xfrm>
-            <a:off x="700636" y="922096"/>
-            <a:ext cx="2750487" cy="2194730"/>
-          </a:xfrm>
-        </p:spPr>
-        <p:txBody>
-          <a:bodyPr/>
-          <a:lstStyle/>
-          <a:p>
-            <a:r>
-              <a:rPr lang="en-US" dirty="0"/>
-              <a:t>Copy Task Structure</a:t>
-            </a:r>
-            <a:endParaRPr lang="en-CA" dirty="0"/>
-          </a:p>
-        </p:txBody>
-      </p:sp>
-      <p:pic>
-        <p:nvPicPr>
-          <p:cNvPr id="5" name="Picture 4" descr="Graphical user interface, application&#10;&#10;Description automatically generated">
-            <a:extLst>
-              <a:ext uri="{FF2B5EF4-FFF2-40B4-BE49-F238E27FC236}">
-                <a16:creationId xmlns:a16="http://schemas.microsoft.com/office/drawing/2014/main" id="{90B418C6-CB62-4D9C-A493-67965FD4FB7B}"/>
-              </a:ext>
-            </a:extLst>
-          </p:cNvPr>
-          <p:cNvPicPr>
-            <a:picLocks noChangeAspect="1"/>
-          </p:cNvPicPr>
-          <p:nvPr/>
-        </p:nvPicPr>
-        <p:blipFill>
-          <a:blip r:embed="rId2">
-            <a:extLst>
-              <a:ext uri="{28A0092B-C50C-407E-A947-70E740481C1C}">
-                <a14:useLocalDpi xmlns:a14="http://schemas.microsoft.com/office/drawing/2010/main" val="0"/>
-              </a:ext>
-            </a:extLst>
-          </a:blip>
-          <a:stretch>
-            <a:fillRect/>
-          </a:stretch>
-        </p:blipFill>
-        <p:spPr>
-          <a:xfrm>
-            <a:off x="3313471" y="1315159"/>
-            <a:ext cx="8078429" cy="4348221"/>
-          </a:xfrm>
-          <a:prstGeom prst="rect">
-            <a:avLst/>
-          </a:prstGeom>
-        </p:spPr>
-      </p:pic>
-      <p:sp>
-        <p:nvSpPr>
-          <p:cNvPr id="7" name="Rectangle 6">
-            <a:extLst>
-              <a:ext uri="{FF2B5EF4-FFF2-40B4-BE49-F238E27FC236}">
-                <a16:creationId xmlns:a16="http://schemas.microsoft.com/office/drawing/2014/main" id="{90DFE588-C3BE-4E94-9746-8D223C1DA0FD}"/>
-              </a:ext>
-            </a:extLst>
-          </p:cNvPr>
-          <p:cNvSpPr/>
-          <p:nvPr/>
-        </p:nvSpPr>
-        <p:spPr>
-          <a:xfrm>
-            <a:off x="4198375" y="4292350"/>
-            <a:ext cx="4562168" cy="1371030"/>
-          </a:xfrm>
-          <a:prstGeom prst="rect">
-            <a:avLst/>
-          </a:prstGeom>
-          <a:noFill/>
-          <a:ln w="38100">
-            <a:solidFill>
-              <a:srgbClr val="FF0000"/>
-            </a:solidFill>
-          </a:ln>
-        </p:spPr>
-        <p:style>
-          <a:lnRef idx="2">
-            <a:schemeClr val="accent1">
-              <a:shade val="50000"/>
-            </a:schemeClr>
-          </a:lnRef>
-          <a:fillRef idx="1">
-            <a:schemeClr val="accent1"/>
-          </a:fillRef>
-          <a:effectRef idx="0">
-            <a:schemeClr val="accent1"/>
-          </a:effectRef>
-          <a:fontRef idx="minor">
-            <a:schemeClr val="lt1"/>
-          </a:fontRef>
-        </p:style>
-        <p:txBody>
-          <a:bodyPr rtlCol="0" anchor="ctr"/>
-          <a:lstStyle/>
-          <a:p>
-            <a:pPr algn="ctr"/>
-            <a:endParaRPr lang="en-CA"/>
-          </a:p>
-        </p:txBody>
-      </p:sp>
-    </p:spTree>
-    <p:extLst>
-      <p:ext uri="{BB962C8B-B14F-4D97-AF65-F5344CB8AC3E}">
-        <p14:creationId xmlns:p14="http://schemas.microsoft.com/office/powerpoint/2010/main" val="3858084681"/>
-      </p:ext>
-    </p:extLst>
-  </p:cSld>
-  <p:clrMapOvr>
-    <a:masterClrMapping/>
-  </p:clrMapOvr>
-</p:sld>
-</file>
-
-<file path=ppt/slides/slide19.xml><?xml version="1.0" encoding="utf-8"?>
 <p:sld xmlns:a="http://schemas.openxmlformats.org/drawingml/2006/main" xmlns:r="http://schemas.openxmlformats.org/officeDocument/2006/relationships" xmlns:p="http://schemas.openxmlformats.org/presentationml/2006/main">
   <p:cSld>
     <p:bg>
@@ -26677,10 +26964,220 @@
           </a:fontRef>
         </p:style>
       </p:cxnSp>
+      <p:sp>
+        <p:nvSpPr>
+          <p:cNvPr id="3" name="Slide Number Placeholder 2">
+            <a:extLst>
+              <a:ext uri="{FF2B5EF4-FFF2-40B4-BE49-F238E27FC236}">
+                <a16:creationId xmlns:a16="http://schemas.microsoft.com/office/drawing/2014/main" id="{C196996A-3B44-4D0D-B85A-72BD85776D8F}"/>
+              </a:ext>
+            </a:extLst>
+          </p:cNvPr>
+          <p:cNvSpPr>
+            <a:spLocks noGrp="1"/>
+          </p:cNvSpPr>
+          <p:nvPr>
+            <p:ph type="sldNum" sz="quarter" idx="12"/>
+          </p:nvPr>
+        </p:nvSpPr>
+        <p:spPr/>
+        <p:txBody>
+          <a:bodyPr/>
+          <a:lstStyle/>
+          <a:p>
+            <a:fld id="{C3DB2ADC-AF19-4574-8C10-79B5B04FCA27}" type="slidenum">
+              <a:rPr lang="en-US" smtClean="0"/>
+              <a:t>18</a:t>
+            </a:fld>
+            <a:endParaRPr lang="en-US"/>
+          </a:p>
+        </p:txBody>
+      </p:sp>
     </p:spTree>
     <p:extLst>
       <p:ext uri="{BB962C8B-B14F-4D97-AF65-F5344CB8AC3E}">
         <p14:creationId xmlns:p14="http://schemas.microsoft.com/office/powerpoint/2010/main" val="4112364738"/>
+      </p:ext>
+    </p:extLst>
+  </p:cSld>
+  <p:clrMapOvr>
+    <a:masterClrMapping/>
+  </p:clrMapOvr>
+</p:sld>
+</file>
+
+<file path=ppt/slides/slide19.xml><?xml version="1.0" encoding="utf-8"?>
+<p:sld xmlns:a="http://schemas.openxmlformats.org/drawingml/2006/main" xmlns:r="http://schemas.openxmlformats.org/officeDocument/2006/relationships" xmlns:p="http://schemas.openxmlformats.org/presentationml/2006/main">
+  <p:cSld>
+    <p:spTree>
+      <p:nvGrpSpPr>
+        <p:cNvPr id="1" name=""/>
+        <p:cNvGrpSpPr/>
+        <p:nvPr/>
+      </p:nvGrpSpPr>
+      <p:grpSpPr>
+        <a:xfrm>
+          <a:off x="0" y="0"/>
+          <a:ext cx="0" cy="0"/>
+          <a:chOff x="0" y="0"/>
+          <a:chExt cx="0" cy="0"/>
+        </a:xfrm>
+      </p:grpSpPr>
+      <p:sp>
+        <p:nvSpPr>
+          <p:cNvPr id="2" name="Title 1">
+            <a:extLst>
+              <a:ext uri="{FF2B5EF4-FFF2-40B4-BE49-F238E27FC236}">
+                <a16:creationId xmlns:a16="http://schemas.microsoft.com/office/drawing/2014/main" id="{28928106-4DB8-44A7-A397-322CCEC0C8DC}"/>
+              </a:ext>
+            </a:extLst>
+          </p:cNvPr>
+          <p:cNvSpPr>
+            <a:spLocks noGrp="1"/>
+          </p:cNvSpPr>
+          <p:nvPr>
+            <p:ph type="title"/>
+          </p:nvPr>
+        </p:nvSpPr>
+        <p:spPr>
+          <a:xfrm>
+            <a:off x="700636" y="922096"/>
+            <a:ext cx="2750487" cy="2194730"/>
+          </a:xfrm>
+        </p:spPr>
+        <p:txBody>
+          <a:bodyPr/>
+          <a:lstStyle/>
+          <a:p>
+            <a:r>
+              <a:rPr lang="en-US" dirty="0"/>
+              <a:t>Copy Task Structure</a:t>
+            </a:r>
+            <a:endParaRPr lang="en-CA" dirty="0"/>
+          </a:p>
+        </p:txBody>
+      </p:sp>
+      <p:pic>
+        <p:nvPicPr>
+          <p:cNvPr id="5" name="Picture 4" descr="Graphical user interface, application&#10;&#10;Description automatically generated">
+            <a:extLst>
+              <a:ext uri="{FF2B5EF4-FFF2-40B4-BE49-F238E27FC236}">
+                <a16:creationId xmlns:a16="http://schemas.microsoft.com/office/drawing/2014/main" id="{90B418C6-CB62-4D9C-A493-67965FD4FB7B}"/>
+              </a:ext>
+            </a:extLst>
+          </p:cNvPr>
+          <p:cNvPicPr>
+            <a:picLocks noChangeAspect="1"/>
+          </p:cNvPicPr>
+          <p:nvPr/>
+        </p:nvPicPr>
+        <p:blipFill>
+          <a:blip r:embed="rId2">
+            <a:extLst>
+              <a:ext uri="{28A0092B-C50C-407E-A947-70E740481C1C}">
+                <a14:useLocalDpi xmlns:a14="http://schemas.microsoft.com/office/drawing/2010/main" val="0"/>
+              </a:ext>
+            </a:extLst>
+          </a:blip>
+          <a:stretch>
+            <a:fillRect/>
+          </a:stretch>
+        </p:blipFill>
+        <p:spPr>
+          <a:xfrm>
+            <a:off x="3313471" y="1315159"/>
+            <a:ext cx="8078429" cy="4348221"/>
+          </a:xfrm>
+          <a:prstGeom prst="rect">
+            <a:avLst/>
+          </a:prstGeom>
+        </p:spPr>
+      </p:pic>
+      <p:sp>
+        <p:nvSpPr>
+          <p:cNvPr id="7" name="Rectangle 6">
+            <a:extLst>
+              <a:ext uri="{FF2B5EF4-FFF2-40B4-BE49-F238E27FC236}">
+                <a16:creationId xmlns:a16="http://schemas.microsoft.com/office/drawing/2014/main" id="{90DFE588-C3BE-4E94-9746-8D223C1DA0FD}"/>
+              </a:ext>
+            </a:extLst>
+          </p:cNvPr>
+          <p:cNvSpPr/>
+          <p:nvPr/>
+        </p:nvSpPr>
+        <p:spPr>
+          <a:xfrm>
+            <a:off x="4198375" y="4292350"/>
+            <a:ext cx="4562168" cy="1371030"/>
+          </a:xfrm>
+          <a:prstGeom prst="rect">
+            <a:avLst/>
+          </a:prstGeom>
+          <a:noFill/>
+          <a:ln w="38100">
+            <a:solidFill>
+              <a:srgbClr val="FF0000"/>
+            </a:solidFill>
+          </a:ln>
+        </p:spPr>
+        <p:style>
+          <a:lnRef idx="2">
+            <a:schemeClr val="accent1">
+              <a:shade val="50000"/>
+            </a:schemeClr>
+          </a:lnRef>
+          <a:fillRef idx="1">
+            <a:schemeClr val="accent1"/>
+          </a:fillRef>
+          <a:effectRef idx="0">
+            <a:schemeClr val="accent1"/>
+          </a:effectRef>
+          <a:fontRef idx="minor">
+            <a:schemeClr val="lt1"/>
+          </a:fontRef>
+        </p:style>
+        <p:txBody>
+          <a:bodyPr rtlCol="0" anchor="ctr"/>
+          <a:lstStyle/>
+          <a:p>
+            <a:pPr algn="ctr"/>
+            <a:endParaRPr lang="en-CA"/>
+          </a:p>
+        </p:txBody>
+      </p:sp>
+      <p:sp>
+        <p:nvSpPr>
+          <p:cNvPr id="3" name="Slide Number Placeholder 2">
+            <a:extLst>
+              <a:ext uri="{FF2B5EF4-FFF2-40B4-BE49-F238E27FC236}">
+                <a16:creationId xmlns:a16="http://schemas.microsoft.com/office/drawing/2014/main" id="{C7C6EFDA-F3DA-4F35-9381-4CFCA067A868}"/>
+              </a:ext>
+            </a:extLst>
+          </p:cNvPr>
+          <p:cNvSpPr>
+            <a:spLocks noGrp="1"/>
+          </p:cNvSpPr>
+          <p:nvPr>
+            <p:ph type="sldNum" sz="quarter" idx="12"/>
+          </p:nvPr>
+        </p:nvSpPr>
+        <p:spPr/>
+        <p:txBody>
+          <a:bodyPr/>
+          <a:lstStyle/>
+          <a:p>
+            <a:fld id="{C3DB2ADC-AF19-4574-8C10-79B5B04FCA27}" type="slidenum">
+              <a:rPr lang="en-US" smtClean="0"/>
+              <a:t>19</a:t>
+            </a:fld>
+            <a:endParaRPr lang="en-US"/>
+          </a:p>
+        </p:txBody>
+      </p:sp>
+    </p:spTree>
+    <p:extLst>
+      <p:ext uri="{BB962C8B-B14F-4D97-AF65-F5344CB8AC3E}">
+        <p14:creationId xmlns:p14="http://schemas.microsoft.com/office/powerpoint/2010/main" val="3858084681"/>
       </p:ext>
     </p:extLst>
   </p:cSld>
@@ -26962,6 +27459,35 @@
           </a:graphicData>
         </a:graphic>
       </p:graphicFrame>
+      <p:sp>
+        <p:nvSpPr>
+          <p:cNvPr id="3" name="Slide Number Placeholder 2">
+            <a:extLst>
+              <a:ext uri="{FF2B5EF4-FFF2-40B4-BE49-F238E27FC236}">
+                <a16:creationId xmlns:a16="http://schemas.microsoft.com/office/drawing/2014/main" id="{A8AA6AE5-A4C0-4E59-AD84-0C5256C46D6F}"/>
+              </a:ext>
+            </a:extLst>
+          </p:cNvPr>
+          <p:cNvSpPr>
+            <a:spLocks noGrp="1"/>
+          </p:cNvSpPr>
+          <p:nvPr>
+            <p:ph type="sldNum" sz="quarter" idx="12"/>
+          </p:nvPr>
+        </p:nvSpPr>
+        <p:spPr/>
+        <p:txBody>
+          <a:bodyPr/>
+          <a:lstStyle/>
+          <a:p>
+            <a:fld id="{C3DB2ADC-AF19-4574-8C10-79B5B04FCA27}" type="slidenum">
+              <a:rPr lang="en-US" smtClean="0"/>
+              <a:t>2</a:t>
+            </a:fld>
+            <a:endParaRPr lang="en-US"/>
+          </a:p>
+        </p:txBody>
+      </p:sp>
     </p:spTree>
     <p:extLst>
       <p:ext uri="{BB962C8B-B14F-4D97-AF65-F5344CB8AC3E}">
@@ -27057,6 +27583,35 @@
           </a:prstGeom>
         </p:spPr>
       </p:pic>
+      <p:sp>
+        <p:nvSpPr>
+          <p:cNvPr id="3" name="Slide Number Placeholder 2">
+            <a:extLst>
+              <a:ext uri="{FF2B5EF4-FFF2-40B4-BE49-F238E27FC236}">
+                <a16:creationId xmlns:a16="http://schemas.microsoft.com/office/drawing/2014/main" id="{1093B8E3-C582-4E29-A11A-E246AD5E5DF5}"/>
+              </a:ext>
+            </a:extLst>
+          </p:cNvPr>
+          <p:cNvSpPr>
+            <a:spLocks noGrp="1"/>
+          </p:cNvSpPr>
+          <p:nvPr>
+            <p:ph type="sldNum" sz="quarter" idx="12"/>
+          </p:nvPr>
+        </p:nvSpPr>
+        <p:spPr/>
+        <p:txBody>
+          <a:bodyPr/>
+          <a:lstStyle/>
+          <a:p>
+            <a:fld id="{C3DB2ADC-AF19-4574-8C10-79B5B04FCA27}" type="slidenum">
+              <a:rPr lang="en-US" smtClean="0"/>
+              <a:t>20</a:t>
+            </a:fld>
+            <a:endParaRPr lang="en-US"/>
+          </a:p>
+        </p:txBody>
+      </p:sp>
     </p:spTree>
     <p:extLst>
       <p:ext uri="{BB962C8B-B14F-4D97-AF65-F5344CB8AC3E}">
@@ -27152,6 +27707,35 @@
           </a:prstGeom>
         </p:spPr>
       </p:pic>
+      <p:sp>
+        <p:nvSpPr>
+          <p:cNvPr id="3" name="Slide Number Placeholder 2">
+            <a:extLst>
+              <a:ext uri="{FF2B5EF4-FFF2-40B4-BE49-F238E27FC236}">
+                <a16:creationId xmlns:a16="http://schemas.microsoft.com/office/drawing/2014/main" id="{7BF612C2-1197-48F9-9835-99E1FBADE7E8}"/>
+              </a:ext>
+            </a:extLst>
+          </p:cNvPr>
+          <p:cNvSpPr>
+            <a:spLocks noGrp="1"/>
+          </p:cNvSpPr>
+          <p:nvPr>
+            <p:ph type="sldNum" sz="quarter" idx="12"/>
+          </p:nvPr>
+        </p:nvSpPr>
+        <p:spPr/>
+        <p:txBody>
+          <a:bodyPr/>
+          <a:lstStyle/>
+          <a:p>
+            <a:fld id="{C3DB2ADC-AF19-4574-8C10-79B5B04FCA27}" type="slidenum">
+              <a:rPr lang="en-US" smtClean="0"/>
+              <a:t>21</a:t>
+            </a:fld>
+            <a:endParaRPr lang="en-US"/>
+          </a:p>
+        </p:txBody>
+      </p:sp>
     </p:spTree>
     <p:extLst>
       <p:ext uri="{BB962C8B-B14F-4D97-AF65-F5344CB8AC3E}">
@@ -27247,6 +27831,35 @@
           </a:prstGeom>
         </p:spPr>
       </p:pic>
+      <p:sp>
+        <p:nvSpPr>
+          <p:cNvPr id="3" name="Slide Number Placeholder 2">
+            <a:extLst>
+              <a:ext uri="{FF2B5EF4-FFF2-40B4-BE49-F238E27FC236}">
+                <a16:creationId xmlns:a16="http://schemas.microsoft.com/office/drawing/2014/main" id="{730AC874-DE57-45E5-80DD-D8AE0890D0EB}"/>
+              </a:ext>
+            </a:extLst>
+          </p:cNvPr>
+          <p:cNvSpPr>
+            <a:spLocks noGrp="1"/>
+          </p:cNvSpPr>
+          <p:nvPr>
+            <p:ph type="sldNum" sz="quarter" idx="12"/>
+          </p:nvPr>
+        </p:nvSpPr>
+        <p:spPr/>
+        <p:txBody>
+          <a:bodyPr/>
+          <a:lstStyle/>
+          <a:p>
+            <a:fld id="{C3DB2ADC-AF19-4574-8C10-79B5B04FCA27}" type="slidenum">
+              <a:rPr lang="en-US" smtClean="0"/>
+              <a:t>22</a:t>
+            </a:fld>
+            <a:endParaRPr lang="en-US"/>
+          </a:p>
+        </p:txBody>
+      </p:sp>
     </p:spTree>
     <p:extLst>
       <p:ext uri="{BB962C8B-B14F-4D97-AF65-F5344CB8AC3E}">
@@ -27342,6 +27955,35 @@
           </a:prstGeom>
         </p:spPr>
       </p:pic>
+      <p:sp>
+        <p:nvSpPr>
+          <p:cNvPr id="3" name="Slide Number Placeholder 2">
+            <a:extLst>
+              <a:ext uri="{FF2B5EF4-FFF2-40B4-BE49-F238E27FC236}">
+                <a16:creationId xmlns:a16="http://schemas.microsoft.com/office/drawing/2014/main" id="{10E6C242-85F7-432D-92C1-0F8E0407A697}"/>
+              </a:ext>
+            </a:extLst>
+          </p:cNvPr>
+          <p:cNvSpPr>
+            <a:spLocks noGrp="1"/>
+          </p:cNvSpPr>
+          <p:nvPr>
+            <p:ph type="sldNum" sz="quarter" idx="12"/>
+          </p:nvPr>
+        </p:nvSpPr>
+        <p:spPr/>
+        <p:txBody>
+          <a:bodyPr/>
+          <a:lstStyle/>
+          <a:p>
+            <a:fld id="{C3DB2ADC-AF19-4574-8C10-79B5B04FCA27}" type="slidenum">
+              <a:rPr lang="en-US" smtClean="0"/>
+              <a:t>23</a:t>
+            </a:fld>
+            <a:endParaRPr lang="en-US"/>
+          </a:p>
+        </p:txBody>
+      </p:sp>
     </p:spTree>
     <p:extLst>
       <p:ext uri="{BB962C8B-B14F-4D97-AF65-F5344CB8AC3E}">
@@ -27627,6 +28269,35 @@
           </a:graphicData>
         </a:graphic>
       </p:graphicFrame>
+      <p:sp>
+        <p:nvSpPr>
+          <p:cNvPr id="3" name="Slide Number Placeholder 2">
+            <a:extLst>
+              <a:ext uri="{FF2B5EF4-FFF2-40B4-BE49-F238E27FC236}">
+                <a16:creationId xmlns:a16="http://schemas.microsoft.com/office/drawing/2014/main" id="{499BF817-2931-4EB3-958F-1C67B189BBCE}"/>
+              </a:ext>
+            </a:extLst>
+          </p:cNvPr>
+          <p:cNvSpPr>
+            <a:spLocks noGrp="1"/>
+          </p:cNvSpPr>
+          <p:nvPr>
+            <p:ph type="sldNum" sz="quarter" idx="12"/>
+          </p:nvPr>
+        </p:nvSpPr>
+        <p:spPr/>
+        <p:txBody>
+          <a:bodyPr/>
+          <a:lstStyle/>
+          <a:p>
+            <a:fld id="{C3DB2ADC-AF19-4574-8C10-79B5B04FCA27}" type="slidenum">
+              <a:rPr lang="en-US" smtClean="0"/>
+              <a:t>24</a:t>
+            </a:fld>
+            <a:endParaRPr lang="en-US"/>
+          </a:p>
+        </p:txBody>
+      </p:sp>
     </p:spTree>
     <p:extLst>
       <p:ext uri="{BB962C8B-B14F-4D97-AF65-F5344CB8AC3E}">
@@ -27912,6 +28583,35 @@
           </a:graphicData>
         </a:graphic>
       </p:graphicFrame>
+      <p:sp>
+        <p:nvSpPr>
+          <p:cNvPr id="3" name="Slide Number Placeholder 2">
+            <a:extLst>
+              <a:ext uri="{FF2B5EF4-FFF2-40B4-BE49-F238E27FC236}">
+                <a16:creationId xmlns:a16="http://schemas.microsoft.com/office/drawing/2014/main" id="{66F2C7BD-417A-48EA-8E65-459906FC22CF}"/>
+              </a:ext>
+            </a:extLst>
+          </p:cNvPr>
+          <p:cNvSpPr>
+            <a:spLocks noGrp="1"/>
+          </p:cNvSpPr>
+          <p:nvPr>
+            <p:ph type="sldNum" sz="quarter" idx="12"/>
+          </p:nvPr>
+        </p:nvSpPr>
+        <p:spPr/>
+        <p:txBody>
+          <a:bodyPr/>
+          <a:lstStyle/>
+          <a:p>
+            <a:fld id="{C3DB2ADC-AF19-4574-8C10-79B5B04FCA27}" type="slidenum">
+              <a:rPr lang="en-US" smtClean="0"/>
+              <a:t>3</a:t>
+            </a:fld>
+            <a:endParaRPr lang="en-US"/>
+          </a:p>
+        </p:txBody>
+      </p:sp>
     </p:spTree>
     <p:extLst>
       <p:ext uri="{BB962C8B-B14F-4D97-AF65-F5344CB8AC3E}">
@@ -28305,6 +29005,35 @@
           </a:fontRef>
         </p:style>
       </p:cxnSp>
+      <p:sp>
+        <p:nvSpPr>
+          <p:cNvPr id="3" name="Slide Number Placeholder 2">
+            <a:extLst>
+              <a:ext uri="{FF2B5EF4-FFF2-40B4-BE49-F238E27FC236}">
+                <a16:creationId xmlns:a16="http://schemas.microsoft.com/office/drawing/2014/main" id="{2D1364BC-9F00-44DF-9AC3-AB0B7C518F44}"/>
+              </a:ext>
+            </a:extLst>
+          </p:cNvPr>
+          <p:cNvSpPr>
+            <a:spLocks noGrp="1"/>
+          </p:cNvSpPr>
+          <p:nvPr>
+            <p:ph type="sldNum" sz="quarter" idx="12"/>
+          </p:nvPr>
+        </p:nvSpPr>
+        <p:spPr/>
+        <p:txBody>
+          <a:bodyPr/>
+          <a:lstStyle/>
+          <a:p>
+            <a:fld id="{C3DB2ADC-AF19-4574-8C10-79B5B04FCA27}" type="slidenum">
+              <a:rPr lang="en-US" smtClean="0"/>
+              <a:t>4</a:t>
+            </a:fld>
+            <a:endParaRPr lang="en-US"/>
+          </a:p>
+        </p:txBody>
+      </p:sp>
     </p:spTree>
     <p:extLst>
       <p:ext uri="{BB962C8B-B14F-4D97-AF65-F5344CB8AC3E}">
@@ -28586,10 +29315,39 @@
         </p:xfrm>
         <a:graphic>
           <a:graphicData uri="http://schemas.openxmlformats.org/drawingml/2006/diagram">
-            <dgm:relIds xmlns:dgm="http://schemas.openxmlformats.org/drawingml/2006/diagram" xmlns:r="http://schemas.openxmlformats.org/officeDocument/2006/relationships" r:dm="rId2" r:lo="rId3" r:qs="rId4" r:cs="rId5"/>
+            <dgm:relIds xmlns:dgm="http://schemas.openxmlformats.org/drawingml/2006/diagram" xmlns:r="http://schemas.openxmlformats.org/officeDocument/2006/relationships" r:dm="rId3" r:lo="rId4" r:qs="rId5" r:cs="rId6"/>
           </a:graphicData>
         </a:graphic>
       </p:graphicFrame>
+      <p:sp>
+        <p:nvSpPr>
+          <p:cNvPr id="3" name="Slide Number Placeholder 2">
+            <a:extLst>
+              <a:ext uri="{FF2B5EF4-FFF2-40B4-BE49-F238E27FC236}">
+                <a16:creationId xmlns:a16="http://schemas.microsoft.com/office/drawing/2014/main" id="{43421241-6860-4793-8ADC-52C2ABA8EB4A}"/>
+              </a:ext>
+            </a:extLst>
+          </p:cNvPr>
+          <p:cNvSpPr>
+            <a:spLocks noGrp="1"/>
+          </p:cNvSpPr>
+          <p:nvPr>
+            <p:ph type="sldNum" sz="quarter" idx="12"/>
+          </p:nvPr>
+        </p:nvSpPr>
+        <p:spPr/>
+        <p:txBody>
+          <a:bodyPr/>
+          <a:lstStyle/>
+          <a:p>
+            <a:fld id="{C3DB2ADC-AF19-4574-8C10-79B5B04FCA27}" type="slidenum">
+              <a:rPr lang="en-US" smtClean="0"/>
+              <a:t>5</a:t>
+            </a:fld>
+            <a:endParaRPr lang="en-US"/>
+          </a:p>
+        </p:txBody>
+      </p:sp>
     </p:spTree>
     <p:extLst>
       <p:ext uri="{BB962C8B-B14F-4D97-AF65-F5344CB8AC3E}">
@@ -28871,10 +29629,39 @@
         </p:xfrm>
         <a:graphic>
           <a:graphicData uri="http://schemas.openxmlformats.org/drawingml/2006/diagram">
-            <dgm:relIds xmlns:dgm="http://schemas.openxmlformats.org/drawingml/2006/diagram" xmlns:r="http://schemas.openxmlformats.org/officeDocument/2006/relationships" r:dm="rId2" r:lo="rId3" r:qs="rId4" r:cs="rId5"/>
+            <dgm:relIds xmlns:dgm="http://schemas.openxmlformats.org/drawingml/2006/diagram" xmlns:r="http://schemas.openxmlformats.org/officeDocument/2006/relationships" r:dm="rId3" r:lo="rId4" r:qs="rId5" r:cs="rId6"/>
           </a:graphicData>
         </a:graphic>
       </p:graphicFrame>
+      <p:sp>
+        <p:nvSpPr>
+          <p:cNvPr id="3" name="Slide Number Placeholder 2">
+            <a:extLst>
+              <a:ext uri="{FF2B5EF4-FFF2-40B4-BE49-F238E27FC236}">
+                <a16:creationId xmlns:a16="http://schemas.microsoft.com/office/drawing/2014/main" id="{9382BC94-D8FB-40E3-A587-D82602DE7B78}"/>
+              </a:ext>
+            </a:extLst>
+          </p:cNvPr>
+          <p:cNvSpPr>
+            <a:spLocks noGrp="1"/>
+          </p:cNvSpPr>
+          <p:nvPr>
+            <p:ph type="sldNum" sz="quarter" idx="12"/>
+          </p:nvPr>
+        </p:nvSpPr>
+        <p:spPr/>
+        <p:txBody>
+          <a:bodyPr/>
+          <a:lstStyle/>
+          <a:p>
+            <a:fld id="{C3DB2ADC-AF19-4574-8C10-79B5B04FCA27}" type="slidenum">
+              <a:rPr lang="en-US" smtClean="0"/>
+              <a:t>6</a:t>
+            </a:fld>
+            <a:endParaRPr lang="en-US"/>
+          </a:p>
+        </p:txBody>
+      </p:sp>
     </p:spTree>
     <p:extLst>
       <p:ext uri="{BB962C8B-B14F-4D97-AF65-F5344CB8AC3E}">
@@ -28970,6 +29757,35 @@
           </a:prstGeom>
         </p:spPr>
       </p:pic>
+      <p:sp>
+        <p:nvSpPr>
+          <p:cNvPr id="3" name="Slide Number Placeholder 2">
+            <a:extLst>
+              <a:ext uri="{FF2B5EF4-FFF2-40B4-BE49-F238E27FC236}">
+                <a16:creationId xmlns:a16="http://schemas.microsoft.com/office/drawing/2014/main" id="{06C03874-6C44-44B1-9FCB-2493D1651588}"/>
+              </a:ext>
+            </a:extLst>
+          </p:cNvPr>
+          <p:cNvSpPr>
+            <a:spLocks noGrp="1"/>
+          </p:cNvSpPr>
+          <p:nvPr>
+            <p:ph type="sldNum" sz="quarter" idx="12"/>
+          </p:nvPr>
+        </p:nvSpPr>
+        <p:spPr/>
+        <p:txBody>
+          <a:bodyPr/>
+          <a:lstStyle/>
+          <a:p>
+            <a:fld id="{C3DB2ADC-AF19-4574-8C10-79B5B04FCA27}" type="slidenum">
+              <a:rPr lang="en-US" smtClean="0"/>
+              <a:t>7</a:t>
+            </a:fld>
+            <a:endParaRPr lang="en-US"/>
+          </a:p>
+        </p:txBody>
+      </p:sp>
     </p:spTree>
     <p:extLst>
       <p:ext uri="{BB962C8B-B14F-4D97-AF65-F5344CB8AC3E}">
@@ -29244,6 +30060,35 @@
           </a:graphicData>
         </a:graphic>
       </p:graphicFrame>
+      <p:sp>
+        <p:nvSpPr>
+          <p:cNvPr id="3" name="Slide Number Placeholder 2">
+            <a:extLst>
+              <a:ext uri="{FF2B5EF4-FFF2-40B4-BE49-F238E27FC236}">
+                <a16:creationId xmlns:a16="http://schemas.microsoft.com/office/drawing/2014/main" id="{2EC6D2C6-5445-48B4-A1C5-CB2A0CABF4FC}"/>
+              </a:ext>
+            </a:extLst>
+          </p:cNvPr>
+          <p:cNvSpPr>
+            <a:spLocks noGrp="1"/>
+          </p:cNvSpPr>
+          <p:nvPr>
+            <p:ph type="sldNum" sz="quarter" idx="12"/>
+          </p:nvPr>
+        </p:nvSpPr>
+        <p:spPr/>
+        <p:txBody>
+          <a:bodyPr/>
+          <a:lstStyle/>
+          <a:p>
+            <a:fld id="{C3DB2ADC-AF19-4574-8C10-79B5B04FCA27}" type="slidenum">
+              <a:rPr lang="en-US" smtClean="0"/>
+              <a:t>8</a:t>
+            </a:fld>
+            <a:endParaRPr lang="en-US"/>
+          </a:p>
+        </p:txBody>
+      </p:sp>
     </p:spTree>
     <p:extLst>
       <p:ext uri="{BB962C8B-B14F-4D97-AF65-F5344CB8AC3E}">
@@ -29529,6 +30374,35 @@
           </a:graphicData>
         </a:graphic>
       </p:graphicFrame>
+      <p:sp>
+        <p:nvSpPr>
+          <p:cNvPr id="3" name="Slide Number Placeholder 2">
+            <a:extLst>
+              <a:ext uri="{FF2B5EF4-FFF2-40B4-BE49-F238E27FC236}">
+                <a16:creationId xmlns:a16="http://schemas.microsoft.com/office/drawing/2014/main" id="{96225D6E-276C-4428-9BA8-DB720556CCDE}"/>
+              </a:ext>
+            </a:extLst>
+          </p:cNvPr>
+          <p:cNvSpPr>
+            <a:spLocks noGrp="1"/>
+          </p:cNvSpPr>
+          <p:nvPr>
+            <p:ph type="sldNum" sz="quarter" idx="12"/>
+          </p:nvPr>
+        </p:nvSpPr>
+        <p:spPr/>
+        <p:txBody>
+          <a:bodyPr/>
+          <a:lstStyle/>
+          <a:p>
+            <a:fld id="{C3DB2ADC-AF19-4574-8C10-79B5B04FCA27}" type="slidenum">
+              <a:rPr lang="en-US" smtClean="0"/>
+              <a:t>9</a:t>
+            </a:fld>
+            <a:endParaRPr lang="en-US"/>
+          </a:p>
+        </p:txBody>
+      </p:sp>
     </p:spTree>
     <p:extLst>
       <p:ext uri="{BB962C8B-B14F-4D97-AF65-F5344CB8AC3E}">
